--- a/Final Review.pptx
+++ b/Final Review.pptx
@@ -5,7 +5,7 @@
     <p:sldMasterId id="2147483648" r:id="rId1"/>
   </p:sldMasterIdLst>
   <p:notesMasterIdLst>
-    <p:notesMasterId r:id="rId21"/>
+    <p:notesMasterId r:id="rId23"/>
   </p:notesMasterIdLst>
   <p:sldIdLst>
     <p:sldId id="256" r:id="rId2"/>
@@ -20,13 +20,15 @@
     <p:sldId id="283" r:id="rId11"/>
     <p:sldId id="282" r:id="rId12"/>
     <p:sldId id="281" r:id="rId13"/>
-    <p:sldId id="284" r:id="rId14"/>
-    <p:sldId id="274" r:id="rId15"/>
-    <p:sldId id="280" r:id="rId16"/>
-    <p:sldId id="276" r:id="rId17"/>
-    <p:sldId id="277" r:id="rId18"/>
-    <p:sldId id="278" r:id="rId19"/>
-    <p:sldId id="279" r:id="rId20"/>
+    <p:sldId id="286" r:id="rId14"/>
+    <p:sldId id="284" r:id="rId15"/>
+    <p:sldId id="285" r:id="rId16"/>
+    <p:sldId id="274" r:id="rId17"/>
+    <p:sldId id="280" r:id="rId18"/>
+    <p:sldId id="276" r:id="rId19"/>
+    <p:sldId id="277" r:id="rId20"/>
+    <p:sldId id="278" r:id="rId21"/>
+    <p:sldId id="279" r:id="rId22"/>
   </p:sldIdLst>
   <p:sldSz cx="12192000" cy="6858000"/>
   <p:notesSz cx="6858000" cy="9144000"/>
@@ -125,6 +127,11 @@
       </a:defRPr>
     </a:lvl9pPr>
   </p:defaultTextStyle>
+  <p:extLst>
+    <p:ext uri="{EFAFB233-063F-42B5-8137-9DF3F51BA10A}">
+      <p15:sldGuideLst xmlns:p15="http://schemas.microsoft.com/office/powerpoint/2012/main"/>
+    </p:ext>
+  </p:extLst>
 </p:presentation>
 </file>
 
@@ -629,6 +636,90 @@
     <p:extLst>
       <p:ext uri="{BB962C8B-B14F-4D97-AF65-F5344CB8AC3E}">
         <p14:creationId xmlns:p14="http://schemas.microsoft.com/office/powerpoint/2010/main" val="3969704868"/>
+      </p:ext>
+    </p:extLst>
+  </p:cSld>
+  <p:clrMapOvr>
+    <a:masterClrMapping/>
+  </p:clrMapOvr>
+</p:notes>
+</file>
+
+<file path=ppt/notesSlides/notesSlide3.xml><?xml version="1.0" encoding="utf-8"?>
+<p:notes xmlns:a="http://schemas.openxmlformats.org/drawingml/2006/main" xmlns:r="http://schemas.openxmlformats.org/officeDocument/2006/relationships" xmlns:p="http://schemas.openxmlformats.org/presentationml/2006/main">
+  <p:cSld>
+    <p:spTree>
+      <p:nvGrpSpPr>
+        <p:cNvPr id="1" name=""/>
+        <p:cNvGrpSpPr/>
+        <p:nvPr/>
+      </p:nvGrpSpPr>
+      <p:grpSpPr>
+        <a:xfrm>
+          <a:off x="0" y="0"/>
+          <a:ext cx="0" cy="0"/>
+          <a:chOff x="0" y="0"/>
+          <a:chExt cx="0" cy="0"/>
+        </a:xfrm>
+      </p:grpSpPr>
+      <p:sp>
+        <p:nvSpPr>
+          <p:cNvPr id="2" name="Slide Image Placeholder 1"/>
+          <p:cNvSpPr>
+            <a:spLocks noGrp="1" noRot="1" noChangeAspect="1"/>
+          </p:cNvSpPr>
+          <p:nvPr>
+            <p:ph type="sldImg"/>
+          </p:nvPr>
+        </p:nvSpPr>
+        <p:spPr/>
+      </p:sp>
+      <p:sp>
+        <p:nvSpPr>
+          <p:cNvPr id="3" name="Notes Placeholder 2"/>
+          <p:cNvSpPr>
+            <a:spLocks noGrp="1"/>
+          </p:cNvSpPr>
+          <p:nvPr>
+            <p:ph type="body" idx="1"/>
+          </p:nvPr>
+        </p:nvSpPr>
+        <p:spPr/>
+        <p:txBody>
+          <a:bodyPr/>
+          <a:lstStyle/>
+          <a:p>
+            <a:endParaRPr lang="en-IN" dirty="0"/>
+          </a:p>
+        </p:txBody>
+      </p:sp>
+      <p:sp>
+        <p:nvSpPr>
+          <p:cNvPr id="4" name="Slide Number Placeholder 3"/>
+          <p:cNvSpPr>
+            <a:spLocks noGrp="1"/>
+          </p:cNvSpPr>
+          <p:nvPr>
+            <p:ph type="sldNum" sz="quarter" idx="10"/>
+          </p:nvPr>
+        </p:nvSpPr>
+        <p:spPr/>
+        <p:txBody>
+          <a:bodyPr/>
+          <a:lstStyle/>
+          <a:p>
+            <a:fld id="{02636830-4343-4663-934D-ABAC9435E139}" type="slidenum">
+              <a:rPr lang="en-IN" smtClean="0"/>
+              <a:t>15</a:t>
+            </a:fld>
+            <a:endParaRPr lang="en-IN"/>
+          </a:p>
+        </p:txBody>
+      </p:sp>
+    </p:spTree>
+    <p:extLst>
+      <p:ext uri="{BB962C8B-B14F-4D97-AF65-F5344CB8AC3E}">
+        <p14:creationId xmlns:p14="http://schemas.microsoft.com/office/powerpoint/2010/main" val="558944309"/>
       </p:ext>
     </p:extLst>
   </p:cSld>
@@ -3523,10 +3614,6 @@
               <a:rPr lang="en-IN" sz="4000" b="1" dirty="0" smtClean="0"/>
               <a:t>FINAL REVIEW </a:t>
             </a:r>
-            <a:r>
-              <a:rPr lang="en-IN" sz="4000" b="1" dirty="0" smtClean="0"/>
-              <a:t/>
-            </a:r>
             <a:br>
               <a:rPr lang="en-IN" sz="4000" b="1" dirty="0" smtClean="0"/>
             </a:br>
@@ -3737,9 +3824,10 @@
           <a:bodyPr/>
           <a:lstStyle/>
           <a:p>
+            <a:pPr algn="ctr"/>
             <a:r>
               <a:rPr lang="en-US" b="1" dirty="0" smtClean="0"/>
-              <a:t>PROPOSED SYSTEM</a:t>
+              <a:t>Proposed System</a:t>
             </a:r>
             <a:endParaRPr lang="en-IN" b="1" dirty="0"/>
           </a:p>
@@ -3755,15 +3843,117 @@
             <p:ph idx="1"/>
           </p:nvPr>
         </p:nvSpPr>
-        <p:spPr/>
-        <p:txBody>
-          <a:bodyPr/>
-          <a:lstStyle/>
-          <a:p>
-            <a:endParaRPr lang="en-IN"/>
-          </a:p>
-        </p:txBody>
-      </p:sp>
+        <p:spPr>
+          <a:xfrm>
+            <a:off x="4892040" y="1825625"/>
+            <a:ext cx="6461760" cy="4351338"/>
+          </a:xfrm>
+        </p:spPr>
+        <p:txBody>
+          <a:bodyPr>
+            <a:normAutofit/>
+          </a:bodyPr>
+          <a:lstStyle/>
+          <a:p>
+            <a:r>
+              <a:rPr lang="en-US" dirty="0" smtClean="0"/>
+              <a:t>Dataset:</a:t>
+            </a:r>
+          </a:p>
+          <a:p>
+            <a:pPr marL="457200" lvl="1" indent="0">
+              <a:buNone/>
+            </a:pPr>
+            <a:r>
+              <a:rPr lang="en-IN" dirty="0"/>
+              <a:t>Based on the requirement, the Dataset is to be a tabular dataset stored in a Pandas </a:t>
+            </a:r>
+            <a:r>
+              <a:rPr lang="en-IN" dirty="0" smtClean="0"/>
+              <a:t>DataFrame.</a:t>
+            </a:r>
+            <a:endParaRPr lang="en-IN" dirty="0"/>
+          </a:p>
+          <a:p>
+            <a:pPr marL="457200" lvl="1" indent="0">
+              <a:buNone/>
+            </a:pPr>
+            <a:r>
+              <a:rPr lang="en-IN" dirty="0" smtClean="0"/>
+              <a:t>The </a:t>
+            </a:r>
+            <a:r>
+              <a:rPr lang="en-IN" dirty="0"/>
+              <a:t>dataset contains 21 columns, with each column representing a different variable or attribute about the customers</a:t>
+            </a:r>
+            <a:r>
+              <a:rPr lang="en-IN" dirty="0" smtClean="0"/>
+              <a:t>.</a:t>
+            </a:r>
+            <a:r>
+              <a:rPr lang="en-IN" dirty="0"/>
+              <a:t> </a:t>
+            </a:r>
+            <a:r>
+              <a:rPr lang="en-IN" dirty="0" smtClean="0"/>
+              <a:t>The dataset </a:t>
+            </a:r>
+            <a:r>
+              <a:rPr lang="en-IN" dirty="0"/>
+              <a:t>contains 5630 observations (rows</a:t>
+            </a:r>
+            <a:r>
+              <a:rPr lang="en-IN" dirty="0" smtClean="0"/>
+              <a:t>).</a:t>
+            </a:r>
+          </a:p>
+          <a:p>
+            <a:pPr marL="457200" lvl="1" indent="0">
+              <a:buNone/>
+            </a:pPr>
+            <a:r>
+              <a:rPr lang="en-US" dirty="0" smtClean="0"/>
+              <a:t>We will perform EDA and Data cleaning so that we can make it a perfect fit for the ANN model.</a:t>
+            </a:r>
+            <a:endParaRPr lang="en-IN" dirty="0"/>
+          </a:p>
+        </p:txBody>
+      </p:sp>
+      <p:pic>
+        <p:nvPicPr>
+          <p:cNvPr id="4" name="Picture 3"/>
+          <p:cNvPicPr/>
+          <p:nvPr/>
+        </p:nvPicPr>
+        <p:blipFill rotWithShape="1">
+          <a:blip r:embed="rId2" cstate="print">
+            <a:extLst>
+              <a:ext uri="{28A0092B-C50C-407E-A947-70E740481C1C}">
+                <a14:useLocalDpi xmlns:a14="http://schemas.microsoft.com/office/drawing/2010/main" val="0"/>
+              </a:ext>
+            </a:extLst>
+          </a:blip>
+          <a:srcRect l="26876" r="26382"/>
+          <a:stretch/>
+        </p:blipFill>
+        <p:spPr bwMode="auto">
+          <a:xfrm>
+            <a:off x="838200" y="1825625"/>
+            <a:ext cx="4053840" cy="4351338"/>
+          </a:xfrm>
+          <a:prstGeom prst="rect">
+            <a:avLst/>
+          </a:prstGeom>
+          <a:ln>
+            <a:noFill/>
+          </a:ln>
+          <a:extLst>
+            <a:ext uri="{53640926-AAD7-44D8-BBD7-CCE9431645EC}">
+              <a14:shadowObscured xmlns:a14="http://schemas.microsoft.com/office/drawing/2010/main"/>
+            </a:ext>
+          </a:extLst>
+        </p:spPr>
+      </p:pic>
     </p:spTree>
     <p:extLst>
       <p:ext uri="{BB962C8B-B14F-4D97-AF65-F5344CB8AC3E}">
@@ -3796,25 +3986,6 @@
       </p:grpSpPr>
       <p:sp>
         <p:nvSpPr>
-          <p:cNvPr id="2" name="Title 1"/>
-          <p:cNvSpPr>
-            <a:spLocks noGrp="1"/>
-          </p:cNvSpPr>
-          <p:nvPr>
-            <p:ph type="title"/>
-          </p:nvPr>
-        </p:nvSpPr>
-        <p:spPr/>
-        <p:txBody>
-          <a:bodyPr/>
-          <a:lstStyle/>
-          <a:p>
-            <a:endParaRPr lang="en-IN"/>
-          </a:p>
-        </p:txBody>
-      </p:sp>
-      <p:sp>
-        <p:nvSpPr>
           <p:cNvPr id="3" name="Content Placeholder 2"/>
           <p:cNvSpPr>
             <a:spLocks noGrp="1"/>
@@ -3823,12 +3994,93 @@
             <p:ph idx="1"/>
           </p:nvPr>
         </p:nvSpPr>
-        <p:spPr/>
-        <p:txBody>
-          <a:bodyPr/>
-          <a:lstStyle/>
-          <a:p>
-            <a:endParaRPr lang="en-IN"/>
+        <p:spPr>
+          <a:xfrm>
+            <a:off x="838200" y="1825624"/>
+            <a:ext cx="11003280" cy="4735195"/>
+          </a:xfrm>
+        </p:spPr>
+        <p:txBody>
+          <a:bodyPr>
+            <a:normAutofit fontScale="85000" lnSpcReduction="20000"/>
+          </a:bodyPr>
+          <a:lstStyle/>
+          <a:p>
+            <a:r>
+              <a:rPr lang="en-US" dirty="0" smtClean="0"/>
+              <a:t>Data cleaning, EDA and preprocessing:</a:t>
+            </a:r>
+            <a:endParaRPr lang="en-IN" dirty="0" smtClean="0"/>
+          </a:p>
+          <a:p>
+            <a:pPr lvl="1"/>
+            <a:r>
+              <a:rPr lang="en-IN" dirty="0" smtClean="0"/>
+              <a:t>The </a:t>
+            </a:r>
+            <a:r>
+              <a:rPr lang="en-IN" dirty="0"/>
+              <a:t>code is performing data cleaning and visualization tasks to gain insights into customer </a:t>
+            </a:r>
+            <a:r>
+              <a:rPr lang="en-IN" dirty="0" err="1"/>
+              <a:t>behavior</a:t>
+            </a:r>
+            <a:r>
+              <a:rPr lang="en-IN" dirty="0"/>
+              <a:t> and preferences. The first step is to clean the data by replacing missing values and converting string values into numeric codes. The code is then performing various visualizations, such as histograms, bar charts, and pie charts, to understand the distribution of different variables</a:t>
+            </a:r>
+            <a:r>
+              <a:rPr lang="en-IN" dirty="0" smtClean="0"/>
+              <a:t>.</a:t>
+            </a:r>
+            <a:endParaRPr lang="en-IN" dirty="0"/>
+          </a:p>
+          <a:p>
+            <a:pPr lvl="1"/>
+            <a:r>
+              <a:rPr lang="en-IN" dirty="0"/>
+              <a:t>The code is aimed at understanding the factors affecting customer churn for a company. The visualizations help to identify patterns and trends in the data, which can be used to make data-driven decisions in the e-commerce platform. By removing outliers, the code ensures that the visualizations provide an accurate representation of the data</a:t>
+            </a:r>
+            <a:r>
+              <a:rPr lang="en-IN" dirty="0" smtClean="0"/>
+              <a:t>.</a:t>
+            </a:r>
+            <a:endParaRPr lang="en-IN" dirty="0"/>
+          </a:p>
+          <a:p>
+            <a:pPr lvl="1"/>
+            <a:r>
+              <a:rPr lang="en-IN" dirty="0"/>
+              <a:t>Overall, the code demonstrates how to use Python to clean and visualize data, which is an essential step in any data analysis project. The insights gained from the visualizations can help businesses to make informed decisions that lead to increased customer satisfaction and retention</a:t>
+            </a:r>
+            <a:r>
+              <a:rPr lang="en-IN" dirty="0" smtClean="0"/>
+              <a:t>.</a:t>
+            </a:r>
+            <a:endParaRPr lang="en-IN" dirty="0"/>
+          </a:p>
+          <a:p>
+            <a:pPr lvl="1"/>
+            <a:r>
+              <a:rPr lang="en-IN" dirty="0"/>
+              <a:t>After cleaning and visualizing the data, it performs Min-Max Scaling to ensure that all the variables are on the same scale and calculates the correlations between different variables using a </a:t>
+            </a:r>
+            <a:r>
+              <a:rPr lang="en-IN" dirty="0" err="1"/>
+              <a:t>heatmap</a:t>
+            </a:r>
+            <a:r>
+              <a:rPr lang="en-IN" dirty="0"/>
+              <a:t>. The goal of this step is to identify relationships between variables and potentially identify which variables are most strongly correlated with customer churn</a:t>
+            </a:r>
+          </a:p>
+          <a:p>
+            <a:pPr lvl="1"/>
+            <a:r>
+              <a:rPr lang="en-IN" dirty="0"/>
+              <a:t>Finally, the code splits the data into training and testing sets and builds a predictive model using machine learning algorithms. The goal of the model is to identify customers who are likely to churn, which can help the company retain its customers and reduce the churn rate.</a:t>
+            </a:r>
           </a:p>
         </p:txBody>
       </p:sp>
@@ -3864,25 +4116,6 @@
       </p:grpSpPr>
       <p:sp>
         <p:nvSpPr>
-          <p:cNvPr id="2" name="Title 1"/>
-          <p:cNvSpPr>
-            <a:spLocks noGrp="1"/>
-          </p:cNvSpPr>
-          <p:nvPr>
-            <p:ph type="title"/>
-          </p:nvPr>
-        </p:nvSpPr>
-        <p:spPr/>
-        <p:txBody>
-          <a:bodyPr/>
-          <a:lstStyle/>
-          <a:p>
-            <a:endParaRPr lang="en-IN"/>
-          </a:p>
-        </p:txBody>
-      </p:sp>
-      <p:sp>
-        <p:nvSpPr>
           <p:cNvPr id="3" name="Content Placeholder 2"/>
           <p:cNvSpPr>
             <a:spLocks noGrp="1"/>
@@ -3891,12 +4124,106 @@
             <p:ph idx="1"/>
           </p:nvPr>
         </p:nvSpPr>
-        <p:spPr/>
-        <p:txBody>
-          <a:bodyPr/>
-          <a:lstStyle/>
-          <a:p>
-            <a:endParaRPr lang="en-IN"/>
+        <p:spPr>
+          <a:xfrm>
+            <a:off x="838200" y="1825624"/>
+            <a:ext cx="10980420" cy="4758055"/>
+          </a:xfrm>
+        </p:spPr>
+        <p:txBody>
+          <a:bodyPr>
+            <a:normAutofit fontScale="85000" lnSpcReduction="10000"/>
+          </a:bodyPr>
+          <a:lstStyle/>
+          <a:p>
+            <a:r>
+              <a:rPr lang="en-US" dirty="0" smtClean="0"/>
+              <a:t>Build and Train Model</a:t>
+            </a:r>
+            <a:endParaRPr lang="en-IN" dirty="0" smtClean="0"/>
+          </a:p>
+          <a:p>
+            <a:pPr lvl="1"/>
+            <a:r>
+              <a:rPr lang="en-IN" dirty="0" smtClean="0"/>
+              <a:t>A </a:t>
+            </a:r>
+            <a:r>
+              <a:rPr lang="en-IN" dirty="0" err="1"/>
+              <a:t>Keras</a:t>
+            </a:r>
+            <a:r>
+              <a:rPr lang="en-IN" dirty="0"/>
+              <a:t> Sequential model using the </a:t>
+            </a:r>
+            <a:r>
+              <a:rPr lang="en-IN" dirty="0" err="1"/>
+              <a:t>keras</a:t>
+            </a:r>
+            <a:r>
+              <a:rPr lang="en-IN" dirty="0"/>
+              <a:t>. Sequential() function. The model consists of three layers: a Dense layer with 19 neurons, a Dropout layer, and another Dense layer with one neuron</a:t>
+            </a:r>
+            <a:r>
+              <a:rPr lang="en-IN" dirty="0" smtClean="0"/>
+              <a:t>.</a:t>
+            </a:r>
+            <a:endParaRPr lang="en-IN" dirty="0"/>
+          </a:p>
+          <a:p>
+            <a:pPr lvl="1"/>
+            <a:r>
+              <a:rPr lang="en-IN" dirty="0"/>
+              <a:t>The Dense layer is a fully connected layer, where each neuron is connected to every neuron in the previous layer. The </a:t>
+            </a:r>
+            <a:r>
+              <a:rPr lang="en-IN" dirty="0" err="1"/>
+              <a:t>input_shape</a:t>
+            </a:r>
+            <a:r>
+              <a:rPr lang="en-IN" dirty="0"/>
+              <a:t> parameter specifies the shape of the input data, which is a one-dimensional array with 19 elements. The activation function used in the Dense layer is </a:t>
+            </a:r>
+            <a:r>
+              <a:rPr lang="en-IN" dirty="0" err="1"/>
+              <a:t>relu</a:t>
+            </a:r>
+            <a:r>
+              <a:rPr lang="en-IN" dirty="0"/>
+              <a:t>, which stands for Rectified Linear Unit. It's a popular activation function that introduces non-linearity into the neural network and helps the model learn complex patterns in the data</a:t>
+            </a:r>
+            <a:r>
+              <a:rPr lang="en-IN" dirty="0" smtClean="0"/>
+              <a:t>.</a:t>
+            </a:r>
+            <a:endParaRPr lang="en-IN" dirty="0"/>
+          </a:p>
+          <a:p>
+            <a:pPr lvl="1"/>
+            <a:r>
+              <a:rPr lang="en-IN" dirty="0"/>
+              <a:t>The Dropout layer is a regularization technique that randomly drops out (i.e., sets to zero) some of the neurons in the previous layer during training. This helps prevent overfitting, where the model learns to fit the training data too closely and does not generalize well to new, unseen data. The dropout rate is specified as a decimal fraction, in this case 0.1, meaning that 10% of the neurons in the previous layer will be randomly dropped out during training</a:t>
+            </a:r>
+            <a:r>
+              <a:rPr lang="en-IN" dirty="0" smtClean="0"/>
+              <a:t>.</a:t>
+            </a:r>
+            <a:endParaRPr lang="en-IN" dirty="0"/>
+          </a:p>
+          <a:p>
+            <a:pPr lvl="1"/>
+            <a:r>
+              <a:rPr lang="en-IN" dirty="0"/>
+              <a:t>The output layer is another Dense layer with one neuron and a sigmoid activation function. The sigmoid function maps any input value to a value between 0 and 1, which can be interpreted as a probability. In this case, the model is being trained to classify binary data, so the output will represent the probability of the input belonging to one of the two classes</a:t>
+            </a:r>
+            <a:r>
+              <a:rPr lang="en-IN" dirty="0" smtClean="0"/>
+              <a:t>.</a:t>
+            </a:r>
+            <a:r>
+              <a:rPr lang="en-IN" dirty="0"/>
+              <a:t> </a:t>
+            </a:r>
           </a:p>
         </p:txBody>
       </p:sp>
@@ -3932,29 +4259,6 @@
       </p:grpSpPr>
       <p:sp>
         <p:nvSpPr>
-          <p:cNvPr id="2" name="Title 1"/>
-          <p:cNvSpPr>
-            <a:spLocks noGrp="1"/>
-          </p:cNvSpPr>
-          <p:nvPr>
-            <p:ph type="title"/>
-          </p:nvPr>
-        </p:nvSpPr>
-        <p:spPr/>
-        <p:txBody>
-          <a:bodyPr/>
-          <a:lstStyle/>
-          <a:p>
-            <a:r>
-              <a:rPr lang="en-US" b="1" dirty="0" smtClean="0"/>
-              <a:t>RESULT</a:t>
-            </a:r>
-            <a:endParaRPr lang="en-IN" b="1" dirty="0"/>
-          </a:p>
-        </p:txBody>
-      </p:sp>
-      <p:sp>
-        <p:nvSpPr>
           <p:cNvPr id="3" name="Content Placeholder 2"/>
           <p:cNvSpPr>
             <a:spLocks noGrp="1"/>
@@ -3963,11 +4267,97 @@
             <p:ph idx="1"/>
           </p:nvPr>
         </p:nvSpPr>
-        <p:spPr/>
-        <p:txBody>
-          <a:bodyPr/>
-          <a:lstStyle/>
-          <a:p>
+        <p:spPr>
+          <a:xfrm>
+            <a:off x="838200" y="1825624"/>
+            <a:ext cx="10934700" cy="4575175"/>
+          </a:xfrm>
+        </p:spPr>
+        <p:txBody>
+          <a:bodyPr>
+            <a:normAutofit fontScale="77500" lnSpcReduction="20000"/>
+          </a:bodyPr>
+          <a:lstStyle/>
+          <a:p>
+            <a:r>
+              <a:rPr lang="en-IN" dirty="0" smtClean="0"/>
+              <a:t>After </a:t>
+            </a:r>
+            <a:r>
+              <a:rPr lang="en-IN" dirty="0"/>
+              <a:t>defining the model, the code compiles it using the compile() function. The optimizer parameter specifies the algorithm used to optimize the model weights during training. In this case, it's the Adam optimizer, which is a popular choice for deep learning models</a:t>
+            </a:r>
+            <a:r>
+              <a:rPr lang="en-IN" dirty="0" smtClean="0"/>
+              <a:t>.</a:t>
+            </a:r>
+            <a:endParaRPr lang="en-IN" dirty="0"/>
+          </a:p>
+          <a:p>
+            <a:r>
+              <a:rPr lang="en-IN" dirty="0"/>
+              <a:t>The loss parameter specifies the loss function used to evaluate how well the model is performing. In this case, it's binary </a:t>
+            </a:r>
+            <a:r>
+              <a:rPr lang="en-IN" dirty="0" err="1"/>
+              <a:t>crossentropy</a:t>
+            </a:r>
+            <a:r>
+              <a:rPr lang="en-IN" dirty="0"/>
+              <a:t>, which is commonly used for binary classification problems</a:t>
+            </a:r>
+            <a:r>
+              <a:rPr lang="en-IN" dirty="0" smtClean="0"/>
+              <a:t>.</a:t>
+            </a:r>
+            <a:endParaRPr lang="en-IN" dirty="0"/>
+          </a:p>
+          <a:p>
+            <a:r>
+              <a:rPr lang="en-IN" dirty="0"/>
+              <a:t>The metrics parameter specifies additional metrics to track during training. In this case, the model will track accuracy</a:t>
+            </a:r>
+            <a:r>
+              <a:rPr lang="en-IN" dirty="0" smtClean="0"/>
+              <a:t>.</a:t>
+            </a:r>
+            <a:endParaRPr lang="en-IN" dirty="0"/>
+          </a:p>
+          <a:p>
+            <a:r>
+              <a:rPr lang="en-IN" dirty="0"/>
+              <a:t>Finally, the model is trained using the fit() function, which takes in the training data </a:t>
+            </a:r>
+            <a:r>
+              <a:rPr lang="en-IN" dirty="0" err="1"/>
+              <a:t>x_train</a:t>
+            </a:r>
+            <a:r>
+              <a:rPr lang="en-IN" dirty="0"/>
+              <a:t> and </a:t>
+            </a:r>
+            <a:r>
+              <a:rPr lang="en-IN" dirty="0" err="1"/>
+              <a:t>y_train</a:t>
+            </a:r>
+            <a:r>
+              <a:rPr lang="en-IN" dirty="0"/>
+              <a:t>, as well as the number of epochs to train for. The model will train for 100 epochs, updating the weights after each batch of training data is processed</a:t>
+            </a:r>
+            <a:r>
+              <a:rPr lang="en-IN" dirty="0" smtClean="0"/>
+              <a:t>.</a:t>
+            </a:r>
+            <a:endParaRPr lang="en-IN" dirty="0"/>
+          </a:p>
+          <a:p>
+            <a:r>
+              <a:rPr lang="en-IN" dirty="0"/>
+              <a:t>During training, the model will attempt to minimize the loss function by adjusting the weights in the neural network layers. The goal is to find the weights that will make the model perform well on new, unseen data.</a:t>
+            </a:r>
+            <a:br>
+              <a:rPr lang="en-IN" dirty="0"/>
+            </a:br>
             <a:endParaRPr lang="en-IN" dirty="0"/>
           </a:p>
         </p:txBody>
@@ -3975,7 +4365,7 @@
     </p:spTree>
     <p:extLst>
       <p:ext uri="{BB962C8B-B14F-4D97-AF65-F5344CB8AC3E}">
-        <p14:creationId xmlns:p14="http://schemas.microsoft.com/office/powerpoint/2010/main" val="3682833666"/>
+        <p14:creationId xmlns:p14="http://schemas.microsoft.com/office/powerpoint/2010/main" val="3565354445"/>
       </p:ext>
     </p:extLst>
   </p:cSld>
@@ -4017,9 +4407,10 @@
           <a:bodyPr/>
           <a:lstStyle/>
           <a:p>
-            <a:r>
-              <a:rPr lang="en-IN" b="1" dirty="0" smtClean="0"/>
-              <a:t>Guide Approval Snapshot</a:t>
+            <a:pPr algn="ctr"/>
+            <a:r>
+              <a:rPr lang="en-US" b="1" dirty="0" smtClean="0"/>
+              <a:t>Result</a:t>
             </a:r>
             <a:endParaRPr lang="en-IN" b="1" dirty="0"/>
           </a:p>
@@ -4027,31 +4418,65 @@
       </p:sp>
       <p:sp>
         <p:nvSpPr>
-          <p:cNvPr id="4" name="Footer Placeholder 3"/>
-          <p:cNvSpPr>
-            <a:spLocks noGrp="1"/>
-          </p:cNvSpPr>
-          <p:nvPr>
-            <p:ph type="ftr" sz="quarter" idx="11"/>
-          </p:nvPr>
-        </p:nvSpPr>
-        <p:spPr/>
-        <p:txBody>
-          <a:bodyPr/>
-          <a:lstStyle/>
-          <a:p>
-            <a:r>
-              <a:rPr lang="en-US" smtClean="0"/>
-              <a:t>School of Computer Science and Engineering           19BCE1856</a:t>
-            </a:r>
-            <a:endParaRPr lang="en-IN"/>
+          <p:cNvPr id="3" name="Content Placeholder 2"/>
+          <p:cNvSpPr>
+            <a:spLocks noGrp="1"/>
+          </p:cNvSpPr>
+          <p:nvPr>
+            <p:ph idx="1"/>
+          </p:nvPr>
+        </p:nvSpPr>
+        <p:spPr/>
+        <p:txBody>
+          <a:bodyPr>
+            <a:normAutofit/>
+          </a:bodyPr>
+          <a:lstStyle/>
+          <a:p>
+            <a:r>
+              <a:rPr lang="en-IN" dirty="0"/>
+              <a:t>Based on the evaluation metrics, it appears that the machine learning model has an accuracy of 0.8811, which means that it correctly predicted 88.11% of the samples in the test set. The confusion matrix and precision scores provide more detailed information about the model's performance on each class</a:t>
+            </a:r>
+            <a:r>
+              <a:rPr lang="en-IN" dirty="0" smtClean="0"/>
+              <a:t>.</a:t>
+            </a:r>
+          </a:p>
+          <a:p>
+            <a:pPr marL="0" indent="0">
+              <a:buNone/>
+            </a:pPr>
+            <a:endParaRPr lang="en-IN" dirty="0" smtClean="0"/>
+          </a:p>
+          <a:p>
+            <a:r>
+              <a:rPr lang="en-IN" dirty="0" smtClean="0"/>
+              <a:t>The </a:t>
+            </a:r>
+            <a:r>
+              <a:rPr lang="en-IN" dirty="0"/>
+              <a:t>confusion matrix shows the number of true positives, false positives, true negatives, and false negatives for each class. It can be visualized using a </a:t>
+            </a:r>
+            <a:r>
+              <a:rPr lang="en-IN" dirty="0" err="1"/>
+              <a:t>heatmap</a:t>
+            </a:r>
+            <a:r>
+              <a:rPr lang="en-IN" dirty="0"/>
+              <a:t>, which helps to identify any patterns or imbalances in the model's predictions</a:t>
+            </a:r>
+            <a:r>
+              <a:rPr lang="en-IN" dirty="0" smtClean="0"/>
+              <a:t>.</a:t>
+            </a:r>
+            <a:endParaRPr lang="en-IN" dirty="0"/>
           </a:p>
         </p:txBody>
       </p:sp>
     </p:spTree>
     <p:extLst>
       <p:ext uri="{BB962C8B-B14F-4D97-AF65-F5344CB8AC3E}">
-        <p14:creationId xmlns:p14="http://schemas.microsoft.com/office/powerpoint/2010/main" val="4037193126"/>
+        <p14:creationId xmlns:p14="http://schemas.microsoft.com/office/powerpoint/2010/main" val="3682833666"/>
       </p:ext>
     </p:extLst>
   </p:cSld>
@@ -4080,29 +4505,6 @@
       </p:grpSpPr>
       <p:sp>
         <p:nvSpPr>
-          <p:cNvPr id="2" name="Title 1"/>
-          <p:cNvSpPr>
-            <a:spLocks noGrp="1"/>
-          </p:cNvSpPr>
-          <p:nvPr>
-            <p:ph type="title"/>
-          </p:nvPr>
-        </p:nvSpPr>
-        <p:spPr/>
-        <p:txBody>
-          <a:bodyPr/>
-          <a:lstStyle/>
-          <a:p>
-            <a:r>
-              <a:rPr lang="en-US" b="1" dirty="0" smtClean="0"/>
-              <a:t>Research Paper Status</a:t>
-            </a:r>
-            <a:endParaRPr lang="en-IN" b="1" dirty="0"/>
-          </a:p>
-        </p:txBody>
-      </p:sp>
-      <p:sp>
-        <p:nvSpPr>
           <p:cNvPr id="3" name="Content Placeholder 2"/>
           <p:cNvSpPr>
             <a:spLocks noGrp="1"/>
@@ -4111,30 +4513,67 @@
             <p:ph idx="1"/>
           </p:nvPr>
         </p:nvSpPr>
-        <p:spPr/>
-        <p:txBody>
-          <a:bodyPr/>
-          <a:lstStyle/>
-          <a:p>
-            <a:r>
-              <a:rPr lang="en-US" dirty="0" smtClean="0"/>
-              <a:t>I have asked my Guide to publish the Research Paper.</a:t>
-            </a:r>
-            <a:br>
-              <a:rPr lang="en-US" dirty="0" smtClean="0"/>
-            </a:br>
-            <a:r>
-              <a:rPr lang="en-US" dirty="0" smtClean="0"/>
-              <a:t>So, it’s basically in communication phase.</a:t>
-            </a:r>
+        <p:spPr>
+          <a:xfrm>
+            <a:off x="9121140" y="1825625"/>
+            <a:ext cx="2232660" cy="4351338"/>
+          </a:xfrm>
+        </p:spPr>
+        <p:txBody>
+          <a:bodyPr>
+            <a:normAutofit fontScale="70000" lnSpcReduction="20000"/>
+          </a:bodyPr>
+          <a:lstStyle/>
+          <a:p>
+            <a:r>
+              <a:rPr lang="en-IN" dirty="0"/>
+              <a:t>The precision score for class 0 is 0.93, which means that out of all the samples predicted as class 0, 93% were actually class 0. The precision score for class 1 is 0.60, which means that out of all the samples predicted as class 1, 60% were actually class 1.</a:t>
+            </a:r>
+          </a:p>
+          <a:p>
             <a:endParaRPr lang="en-IN" dirty="0"/>
           </a:p>
         </p:txBody>
       </p:sp>
+      <p:pic>
+        <p:nvPicPr>
+          <p:cNvPr id="4" name="Picture 3"/>
+          <p:cNvPicPr/>
+          <p:nvPr/>
+        </p:nvPicPr>
+        <p:blipFill rotWithShape="1">
+          <a:blip r:embed="rId3">
+            <a:extLst>
+              <a:ext uri="{28A0092B-C50C-407E-A947-70E740481C1C}">
+                <a14:useLocalDpi xmlns:a14="http://schemas.microsoft.com/office/drawing/2010/main" val="0"/>
+              </a:ext>
+            </a:extLst>
+          </a:blip>
+          <a:srcRect l="1578" t="1578" r="3195" b="3735"/>
+          <a:stretch/>
+        </p:blipFill>
+        <p:spPr bwMode="auto">
+          <a:xfrm>
+            <a:off x="838200" y="1825625"/>
+            <a:ext cx="8282940" cy="4351338"/>
+          </a:xfrm>
+          <a:prstGeom prst="rect">
+            <a:avLst/>
+          </a:prstGeom>
+          <a:ln>
+            <a:noFill/>
+          </a:ln>
+          <a:extLst>
+            <a:ext uri="{53640926-AAD7-44D8-BBD7-CCE9431645EC}">
+              <a14:shadowObscured xmlns:a14="http://schemas.microsoft.com/office/drawing/2010/main"/>
+            </a:ext>
+          </a:extLst>
+        </p:spPr>
+      </p:pic>
     </p:spTree>
     <p:extLst>
       <p:ext uri="{BB962C8B-B14F-4D97-AF65-F5344CB8AC3E}">
-        <p14:creationId xmlns:p14="http://schemas.microsoft.com/office/powerpoint/2010/main" val="571294609"/>
+        <p14:creationId xmlns:p14="http://schemas.microsoft.com/office/powerpoint/2010/main" val="1082891310"/>
       </p:ext>
     </p:extLst>
   </p:cSld>
@@ -4176,384 +4615,12 @@
           <a:bodyPr/>
           <a:lstStyle/>
           <a:p>
+            <a:pPr algn="ctr"/>
             <a:r>
               <a:rPr lang="en-IN" b="1" dirty="0" smtClean="0"/>
-              <a:t>References </a:t>
-            </a:r>
-            <a:r>
-              <a:rPr lang="en-IN" b="1" dirty="0" smtClean="0">
-                <a:solidFill>
-                  <a:srgbClr val="FF0000"/>
-                </a:solidFill>
-              </a:rPr>
-              <a:t>( Same order as Literature Review)</a:t>
-            </a:r>
-            <a:endParaRPr lang="en-IN" b="1" dirty="0">
-              <a:solidFill>
-                <a:srgbClr val="FF0000"/>
-              </a:solidFill>
-            </a:endParaRPr>
-          </a:p>
-        </p:txBody>
-      </p:sp>
-      <p:sp>
-        <p:nvSpPr>
-          <p:cNvPr id="3" name="Content Placeholder 2"/>
-          <p:cNvSpPr>
-            <a:spLocks noGrp="1"/>
-          </p:cNvSpPr>
-          <p:nvPr>
-            <p:ph idx="1"/>
-          </p:nvPr>
-        </p:nvSpPr>
-        <p:spPr/>
-        <p:txBody>
-          <a:bodyPr>
-            <a:normAutofit/>
-          </a:bodyPr>
-          <a:lstStyle/>
-          <a:p>
-            <a:r>
-              <a:rPr lang="en-US" b="1" dirty="0"/>
-              <a:t>The Impact of Customer Satisfaction and Relationship Quality on Customer Retention: A Critical Reassessment and Model Development [1997]</a:t>
-            </a:r>
-          </a:p>
-          <a:p>
-            <a:pPr marL="457200" lvl="1" indent="0">
-              <a:buNone/>
-            </a:pPr>
-            <a:r>
-              <a:rPr lang="en-US" dirty="0">
-                <a:solidFill>
-                  <a:schemeClr val="accent1">
-                    <a:lumMod val="75000"/>
-                  </a:schemeClr>
-                </a:solidFill>
-              </a:rPr>
-              <a:t>Thorsten </a:t>
-            </a:r>
-            <a:r>
-              <a:rPr lang="en-US" dirty="0" err="1">
-                <a:solidFill>
-                  <a:schemeClr val="accent1">
-                    <a:lumMod val="75000"/>
-                  </a:schemeClr>
-                </a:solidFill>
-              </a:rPr>
-              <a:t>Hennig-Thurau</a:t>
-            </a:r>
-            <a:r>
-              <a:rPr lang="en-US" dirty="0">
-                <a:solidFill>
-                  <a:schemeClr val="accent1">
-                    <a:lumMod val="75000"/>
-                  </a:schemeClr>
-                </a:solidFill>
-              </a:rPr>
-              <a:t> and Alexander Klee (University of Hanover)</a:t>
-            </a:r>
-          </a:p>
-          <a:p>
-            <a:r>
-              <a:rPr lang="en-IN" b="1" dirty="0" smtClean="0"/>
-              <a:t>Churn </a:t>
-            </a:r>
-            <a:r>
-              <a:rPr lang="en-IN" b="1" dirty="0"/>
-              <a:t>Prediction: Does Technology Matter? </a:t>
-            </a:r>
-            <a:r>
-              <a:rPr lang="en-IN" b="1" dirty="0" smtClean="0"/>
-              <a:t>[2006]</a:t>
-            </a:r>
-          </a:p>
-          <a:p>
-            <a:pPr marL="457200" lvl="1" indent="0">
-              <a:buNone/>
-            </a:pPr>
-            <a:r>
-              <a:rPr lang="en-IN" dirty="0" smtClean="0">
-                <a:solidFill>
-                  <a:schemeClr val="accent1">
-                    <a:lumMod val="75000"/>
-                  </a:schemeClr>
-                </a:solidFill>
-              </a:rPr>
-              <a:t>John </a:t>
-            </a:r>
-            <a:r>
-              <a:rPr lang="en-IN" dirty="0">
-                <a:solidFill>
-                  <a:schemeClr val="accent1">
-                    <a:lumMod val="75000"/>
-                  </a:schemeClr>
-                </a:solidFill>
-              </a:rPr>
-              <a:t>Hadden, Ashutosh Tiwari, Rajkumar Roy, and Dymitr </a:t>
-            </a:r>
-            <a:r>
-              <a:rPr lang="en-IN" dirty="0" smtClean="0">
-                <a:solidFill>
-                  <a:schemeClr val="accent1">
-                    <a:lumMod val="75000"/>
-                  </a:schemeClr>
-                </a:solidFill>
-              </a:rPr>
-              <a:t>Ruta</a:t>
-            </a:r>
-            <a:endParaRPr lang="en-IN" dirty="0">
-              <a:solidFill>
-                <a:schemeClr val="accent1">
-                  <a:lumMod val="75000"/>
-                </a:schemeClr>
-              </a:solidFill>
-            </a:endParaRPr>
-          </a:p>
-          <a:p>
-            <a:pPr algn="just"/>
-            <a:r>
-              <a:rPr lang="en-US" b="1" dirty="0" err="1"/>
-              <a:t>Scikit</a:t>
-            </a:r>
-            <a:r>
-              <a:rPr lang="en-US" b="1" dirty="0"/>
-              <a:t>-learn: Machine Learning in Python [2012]</a:t>
-            </a:r>
-          </a:p>
-          <a:p>
-            <a:pPr marL="457200" lvl="1" indent="0" algn="just">
-              <a:buNone/>
-            </a:pPr>
-            <a:r>
-              <a:rPr lang="en-IN" dirty="0">
-                <a:solidFill>
-                  <a:schemeClr val="accent1">
-                    <a:lumMod val="75000"/>
-                  </a:schemeClr>
-                </a:solidFill>
-              </a:rPr>
-              <a:t>Fabian </a:t>
-            </a:r>
-            <a:r>
-              <a:rPr lang="en-IN" dirty="0" err="1">
-                <a:solidFill>
-                  <a:schemeClr val="accent1">
-                    <a:lumMod val="75000"/>
-                  </a:schemeClr>
-                </a:solidFill>
-              </a:rPr>
-              <a:t>Pedregosa</a:t>
-            </a:r>
-            <a:r>
-              <a:rPr lang="en-IN" dirty="0">
-                <a:solidFill>
-                  <a:schemeClr val="accent1">
-                    <a:lumMod val="75000"/>
-                  </a:schemeClr>
-                </a:solidFill>
-              </a:rPr>
-              <a:t>, </a:t>
-            </a:r>
-            <a:r>
-              <a:rPr lang="en-IN" dirty="0" err="1">
-                <a:solidFill>
-                  <a:schemeClr val="accent1">
-                    <a:lumMod val="75000"/>
-                  </a:schemeClr>
-                </a:solidFill>
-              </a:rPr>
-              <a:t>Gaël</a:t>
-            </a:r>
-            <a:r>
-              <a:rPr lang="en-IN" dirty="0">
-                <a:solidFill>
-                  <a:schemeClr val="accent1">
-                    <a:lumMod val="75000"/>
-                  </a:schemeClr>
-                </a:solidFill>
-              </a:rPr>
-              <a:t> </a:t>
-            </a:r>
-            <a:r>
-              <a:rPr lang="en-IN" dirty="0" err="1">
-                <a:solidFill>
-                  <a:schemeClr val="accent1">
-                    <a:lumMod val="75000"/>
-                  </a:schemeClr>
-                </a:solidFill>
-              </a:rPr>
-              <a:t>Varoquaux</a:t>
-            </a:r>
-            <a:r>
-              <a:rPr lang="en-IN" dirty="0">
-                <a:solidFill>
-                  <a:schemeClr val="accent1">
-                    <a:lumMod val="75000"/>
-                  </a:schemeClr>
-                </a:solidFill>
-              </a:rPr>
-              <a:t>, Alexandre </a:t>
-            </a:r>
-            <a:r>
-              <a:rPr lang="en-IN" dirty="0" err="1">
-                <a:solidFill>
-                  <a:schemeClr val="accent1">
-                    <a:lumMod val="75000"/>
-                  </a:schemeClr>
-                </a:solidFill>
-              </a:rPr>
-              <a:t>Gramfort</a:t>
-            </a:r>
-            <a:r>
-              <a:rPr lang="en-IN" dirty="0">
-                <a:solidFill>
-                  <a:schemeClr val="accent1">
-                    <a:lumMod val="75000"/>
-                  </a:schemeClr>
-                </a:solidFill>
-              </a:rPr>
-              <a:t>, Vincent Michel, Bertrand </a:t>
-            </a:r>
-            <a:r>
-              <a:rPr lang="en-IN" dirty="0" err="1">
-                <a:solidFill>
-                  <a:schemeClr val="accent1">
-                    <a:lumMod val="75000"/>
-                  </a:schemeClr>
-                </a:solidFill>
-              </a:rPr>
-              <a:t>Thirion</a:t>
-            </a:r>
-            <a:r>
-              <a:rPr lang="en-IN" dirty="0">
-                <a:solidFill>
-                  <a:schemeClr val="accent1">
-                    <a:lumMod val="75000"/>
-                  </a:schemeClr>
-                </a:solidFill>
-              </a:rPr>
-              <a:t>, Olivier </a:t>
-            </a:r>
-            <a:r>
-              <a:rPr lang="en-IN" dirty="0" err="1">
-                <a:solidFill>
-                  <a:schemeClr val="accent1">
-                    <a:lumMod val="75000"/>
-                  </a:schemeClr>
-                </a:solidFill>
-              </a:rPr>
-              <a:t>Grisel</a:t>
-            </a:r>
-            <a:r>
-              <a:rPr lang="en-IN" dirty="0">
-                <a:solidFill>
-                  <a:schemeClr val="accent1">
-                    <a:lumMod val="75000"/>
-                  </a:schemeClr>
-                </a:solidFill>
-              </a:rPr>
-              <a:t>, Mathieu </a:t>
-            </a:r>
-            <a:r>
-              <a:rPr lang="en-IN" dirty="0" err="1">
-                <a:solidFill>
-                  <a:schemeClr val="accent1">
-                    <a:lumMod val="75000"/>
-                  </a:schemeClr>
-                </a:solidFill>
-              </a:rPr>
-              <a:t>Blondel</a:t>
-            </a:r>
-            <a:r>
-              <a:rPr lang="en-IN" dirty="0">
-                <a:solidFill>
-                  <a:schemeClr val="accent1">
-                    <a:lumMod val="75000"/>
-                  </a:schemeClr>
-                </a:solidFill>
-              </a:rPr>
-              <a:t>, Peter </a:t>
-            </a:r>
-            <a:r>
-              <a:rPr lang="en-IN" dirty="0" err="1">
-                <a:solidFill>
-                  <a:schemeClr val="accent1">
-                    <a:lumMod val="75000"/>
-                  </a:schemeClr>
-                </a:solidFill>
-              </a:rPr>
-              <a:t>Prettenhofer</a:t>
-            </a:r>
-            <a:r>
-              <a:rPr lang="en-IN" dirty="0">
-                <a:solidFill>
-                  <a:schemeClr val="accent1">
-                    <a:lumMod val="75000"/>
-                  </a:schemeClr>
-                </a:solidFill>
-              </a:rPr>
-              <a:t>, Ron Weiss, Vincent </a:t>
-            </a:r>
-            <a:r>
-              <a:rPr lang="en-IN" dirty="0" err="1">
-                <a:solidFill>
-                  <a:schemeClr val="accent1">
-                    <a:lumMod val="75000"/>
-                  </a:schemeClr>
-                </a:solidFill>
-              </a:rPr>
-              <a:t>Dubourg</a:t>
-            </a:r>
-            <a:r>
-              <a:rPr lang="en-IN" dirty="0">
-                <a:solidFill>
-                  <a:schemeClr val="accent1">
-                    <a:lumMod val="75000"/>
-                  </a:schemeClr>
-                </a:solidFill>
-              </a:rPr>
-              <a:t>, et </a:t>
-            </a:r>
-            <a:r>
-              <a:rPr lang="en-IN" dirty="0" smtClean="0">
-                <a:solidFill>
-                  <a:schemeClr val="accent1">
-                    <a:lumMod val="75000"/>
-                  </a:schemeClr>
-                </a:solidFill>
-              </a:rPr>
-              <a:t>al</a:t>
-            </a:r>
-          </a:p>
-          <a:p>
-            <a:pPr marL="457200" lvl="1" indent="0" algn="just">
-              <a:buNone/>
-            </a:pPr>
-            <a:endParaRPr lang="en-IN" dirty="0">
-              <a:solidFill>
-                <a:schemeClr val="accent1">
-                  <a:lumMod val="75000"/>
-                </a:schemeClr>
-              </a:solidFill>
-            </a:endParaRPr>
-          </a:p>
-          <a:p>
-            <a:pPr marL="0" indent="0">
-              <a:buNone/>
-            </a:pPr>
-            <a:endParaRPr lang="en-US" dirty="0"/>
-          </a:p>
-          <a:p>
-            <a:pPr marL="0" indent="0">
-              <a:buNone/>
-            </a:pPr>
-            <a:endParaRPr lang="en-US" dirty="0"/>
-          </a:p>
-          <a:p>
-            <a:pPr marL="0" indent="0">
-              <a:buNone/>
-            </a:pPr>
-            <a:endParaRPr lang="en-IN" dirty="0"/>
+              <a:t>Guide Approval Snapshot</a:t>
+            </a:r>
+            <a:endParaRPr lang="en-IN" b="1" dirty="0"/>
           </a:p>
         </p:txBody>
       </p:sp>
@@ -4583,7 +4650,7 @@
     </p:spTree>
     <p:extLst>
       <p:ext uri="{BB962C8B-B14F-4D97-AF65-F5344CB8AC3E}">
-        <p14:creationId xmlns:p14="http://schemas.microsoft.com/office/powerpoint/2010/main" val="192220845"/>
+        <p14:creationId xmlns:p14="http://schemas.microsoft.com/office/powerpoint/2010/main" val="4037193126"/>
       </p:ext>
     </p:extLst>
   </p:cSld>
@@ -4612,6 +4679,30 @@
       </p:grpSpPr>
       <p:sp>
         <p:nvSpPr>
+          <p:cNvPr id="2" name="Title 1"/>
+          <p:cNvSpPr>
+            <a:spLocks noGrp="1"/>
+          </p:cNvSpPr>
+          <p:nvPr>
+            <p:ph type="title"/>
+          </p:nvPr>
+        </p:nvSpPr>
+        <p:spPr/>
+        <p:txBody>
+          <a:bodyPr/>
+          <a:lstStyle/>
+          <a:p>
+            <a:pPr algn="ctr"/>
+            <a:r>
+              <a:rPr lang="en-US" b="1" dirty="0" smtClean="0"/>
+              <a:t>Research Paper Status</a:t>
+            </a:r>
+            <a:endParaRPr lang="en-IN" b="1" dirty="0"/>
+          </a:p>
+        </p:txBody>
+      </p:sp>
+      <p:sp>
+        <p:nvSpPr>
           <p:cNvPr id="3" name="Content Placeholder 2"/>
           <p:cNvSpPr>
             <a:spLocks noGrp="1"/>
@@ -4620,495 +4711,30 @@
             <p:ph idx="1"/>
           </p:nvPr>
         </p:nvSpPr>
-        <p:spPr>
-          <a:xfrm>
-            <a:off x="838200" y="1825624"/>
-            <a:ext cx="10515600" cy="4530725"/>
-          </a:xfrm>
-        </p:spPr>
-        <p:txBody>
-          <a:bodyPr>
-            <a:normAutofit lnSpcReduction="10000"/>
-          </a:bodyPr>
-          <a:lstStyle/>
-          <a:p>
-            <a:pPr algn="just"/>
-            <a:r>
-              <a:rPr lang="en-US" b="1" dirty="0"/>
-              <a:t>Customer Churn Prediction in Telecommunication A Decade Review and Classification [2013]</a:t>
-            </a:r>
-          </a:p>
-          <a:p>
-            <a:pPr marL="457200" lvl="1" indent="0" algn="just">
-              <a:buNone/>
-            </a:pPr>
-            <a:r>
-              <a:rPr lang="en-IN" dirty="0" err="1">
-                <a:solidFill>
-                  <a:schemeClr val="accent1">
-                    <a:lumMod val="75000"/>
-                  </a:schemeClr>
-                </a:solidFill>
-              </a:rPr>
-              <a:t>Nabgha</a:t>
-            </a:r>
-            <a:r>
-              <a:rPr lang="en-IN" dirty="0">
-                <a:solidFill>
-                  <a:schemeClr val="accent1">
-                    <a:lumMod val="75000"/>
-                  </a:schemeClr>
-                </a:solidFill>
-              </a:rPr>
-              <a:t> Hashmi ,Naveed </a:t>
-            </a:r>
-            <a:r>
-              <a:rPr lang="en-IN" dirty="0" err="1">
-                <a:solidFill>
-                  <a:schemeClr val="accent1">
-                    <a:lumMod val="75000"/>
-                  </a:schemeClr>
-                </a:solidFill>
-              </a:rPr>
-              <a:t>Anwer</a:t>
-            </a:r>
-            <a:r>
-              <a:rPr lang="en-IN" dirty="0">
-                <a:solidFill>
-                  <a:schemeClr val="accent1">
-                    <a:lumMod val="75000"/>
-                  </a:schemeClr>
-                </a:solidFill>
-              </a:rPr>
-              <a:t> Butt and </a:t>
-            </a:r>
-            <a:r>
-              <a:rPr lang="en-IN" dirty="0" err="1">
-                <a:solidFill>
-                  <a:schemeClr val="accent1">
-                    <a:lumMod val="75000"/>
-                  </a:schemeClr>
-                </a:solidFill>
-              </a:rPr>
-              <a:t>Dr.Muddesar</a:t>
-            </a:r>
-            <a:r>
-              <a:rPr lang="en-IN" dirty="0">
-                <a:solidFill>
-                  <a:schemeClr val="accent1">
-                    <a:lumMod val="75000"/>
-                  </a:schemeClr>
-                </a:solidFill>
-              </a:rPr>
-              <a:t> Iqbal</a:t>
-            </a:r>
-            <a:endParaRPr lang="en-US" dirty="0">
-              <a:solidFill>
-                <a:schemeClr val="accent1">
-                  <a:lumMod val="75000"/>
-                </a:schemeClr>
-              </a:solidFill>
-            </a:endParaRPr>
-          </a:p>
-          <a:p>
-            <a:r>
-              <a:rPr lang="en-US" b="1" dirty="0" smtClean="0"/>
-              <a:t>An </a:t>
-            </a:r>
-            <a:r>
-              <a:rPr lang="en-US" b="1" dirty="0"/>
-              <a:t>Integrated Framework to Recommend Personalized Retention Actions to Control B2C E-Commerce Customer Churn [2015]</a:t>
-            </a:r>
-          </a:p>
-          <a:p>
-            <a:pPr marL="457200" lvl="1" indent="0">
-              <a:buNone/>
-            </a:pPr>
-            <a:r>
-              <a:rPr lang="en-US" dirty="0" err="1">
-                <a:solidFill>
-                  <a:schemeClr val="accent1">
-                    <a:lumMod val="75000"/>
-                  </a:schemeClr>
-                </a:solidFill>
-              </a:rPr>
-              <a:t>Shini</a:t>
-            </a:r>
-            <a:r>
-              <a:rPr lang="en-US" dirty="0">
-                <a:solidFill>
-                  <a:schemeClr val="accent1">
-                    <a:lumMod val="75000"/>
-                  </a:schemeClr>
-                </a:solidFill>
-              </a:rPr>
-              <a:t> </a:t>
-            </a:r>
-            <a:r>
-              <a:rPr lang="en-US" dirty="0" err="1">
-                <a:solidFill>
-                  <a:schemeClr val="accent1">
-                    <a:lumMod val="75000"/>
-                  </a:schemeClr>
-                </a:solidFill>
-              </a:rPr>
-              <a:t>Renjith</a:t>
-            </a:r>
-            <a:r>
-              <a:rPr lang="en-US" dirty="0">
-                <a:solidFill>
-                  <a:schemeClr val="accent1">
-                    <a:lumMod val="75000"/>
-                  </a:schemeClr>
-                </a:solidFill>
-              </a:rPr>
-              <a:t> </a:t>
-            </a:r>
-            <a:endParaRPr lang="en-US" b="1" dirty="0" smtClean="0"/>
-          </a:p>
-          <a:p>
-            <a:r>
-              <a:rPr lang="en-US" b="1" dirty="0" smtClean="0"/>
-              <a:t>Predicting </a:t>
-            </a:r>
-            <a:r>
-              <a:rPr lang="en-US" b="1" dirty="0"/>
-              <a:t>Shipping Time with Machine Learning</a:t>
-            </a:r>
-            <a:r>
-              <a:rPr lang="en-IN" b="1" dirty="0"/>
-              <a:t>. [2015]</a:t>
-            </a:r>
-          </a:p>
-          <a:p>
-            <a:pPr marL="457200" lvl="1" indent="0">
-              <a:buNone/>
-            </a:pPr>
-            <a:r>
-              <a:rPr lang="en-IN" dirty="0">
-                <a:solidFill>
-                  <a:schemeClr val="accent1">
-                    <a:lumMod val="75000"/>
-                  </a:schemeClr>
-                </a:solidFill>
-              </a:rPr>
-              <a:t>Antoine </a:t>
-            </a:r>
-            <a:r>
-              <a:rPr lang="en-IN" dirty="0" err="1">
-                <a:solidFill>
-                  <a:schemeClr val="accent1">
-                    <a:lumMod val="75000"/>
-                  </a:schemeClr>
-                </a:solidFill>
-              </a:rPr>
-              <a:t>Jonquais</a:t>
-            </a:r>
-            <a:r>
-              <a:rPr lang="en-IN" dirty="0">
-                <a:solidFill>
-                  <a:schemeClr val="accent1">
-                    <a:lumMod val="75000"/>
-                  </a:schemeClr>
-                </a:solidFill>
-              </a:rPr>
-              <a:t>, Florian </a:t>
-            </a:r>
-            <a:r>
-              <a:rPr lang="en-IN" dirty="0" err="1">
-                <a:solidFill>
-                  <a:schemeClr val="accent1">
-                    <a:lumMod val="75000"/>
-                  </a:schemeClr>
-                </a:solidFill>
-              </a:rPr>
-              <a:t>Krempl</a:t>
-            </a:r>
-            <a:r>
-              <a:rPr lang="en-IN" dirty="0">
-                <a:solidFill>
-                  <a:schemeClr val="accent1">
-                    <a:lumMod val="75000"/>
-                  </a:schemeClr>
-                </a:solidFill>
-              </a:rPr>
-              <a:t> Advisor, </a:t>
-            </a:r>
-            <a:r>
-              <a:rPr lang="en-IN" dirty="0" err="1">
-                <a:solidFill>
-                  <a:schemeClr val="accent1">
-                    <a:lumMod val="75000"/>
-                  </a:schemeClr>
-                </a:solidFill>
-              </a:rPr>
-              <a:t>Dr.</a:t>
-            </a:r>
-            <a:r>
-              <a:rPr lang="en-IN" dirty="0">
-                <a:solidFill>
-                  <a:schemeClr val="accent1">
-                    <a:lumMod val="75000"/>
-                  </a:schemeClr>
-                </a:solidFill>
-              </a:rPr>
-              <a:t> Roar </a:t>
-            </a:r>
-            <a:r>
-              <a:rPr lang="en-IN" dirty="0" err="1">
-                <a:solidFill>
-                  <a:schemeClr val="accent1">
-                    <a:lumMod val="75000"/>
-                  </a:schemeClr>
-                </a:solidFill>
-              </a:rPr>
-              <a:t>Adland</a:t>
-            </a:r>
-            <a:r>
-              <a:rPr lang="en-IN" dirty="0">
-                <a:solidFill>
-                  <a:schemeClr val="accent1">
-                    <a:lumMod val="75000"/>
-                  </a:schemeClr>
-                </a:solidFill>
-              </a:rPr>
-              <a:t>, </a:t>
-            </a:r>
-            <a:r>
-              <a:rPr lang="en-IN" dirty="0" err="1">
-                <a:solidFill>
-                  <a:schemeClr val="accent1">
-                    <a:lumMod val="75000"/>
-                  </a:schemeClr>
-                </a:solidFill>
-              </a:rPr>
-              <a:t>Dr.</a:t>
-            </a:r>
-            <a:r>
-              <a:rPr lang="en-IN" dirty="0">
-                <a:solidFill>
-                  <a:schemeClr val="accent1">
-                    <a:lumMod val="75000"/>
-                  </a:schemeClr>
-                </a:solidFill>
-              </a:rPr>
-              <a:t> </a:t>
-            </a:r>
-            <a:r>
-              <a:rPr lang="en-IN" dirty="0" err="1">
-                <a:solidFill>
-                  <a:schemeClr val="accent1">
-                    <a:lumMod val="75000"/>
-                  </a:schemeClr>
-                </a:solidFill>
-              </a:rPr>
-              <a:t>Haiying</a:t>
-            </a:r>
-            <a:r>
-              <a:rPr lang="en-IN" dirty="0">
-                <a:solidFill>
-                  <a:schemeClr val="accent1">
-                    <a:lumMod val="75000"/>
-                  </a:schemeClr>
-                </a:solidFill>
-              </a:rPr>
-              <a:t> </a:t>
-            </a:r>
-            <a:r>
-              <a:rPr lang="en-IN" dirty="0" err="1" smtClean="0">
-                <a:solidFill>
-                  <a:schemeClr val="accent1">
-                    <a:lumMod val="75000"/>
-                  </a:schemeClr>
-                </a:solidFill>
-              </a:rPr>
-              <a:t>Jia</a:t>
-            </a:r>
-            <a:endParaRPr lang="en-US" dirty="0" smtClean="0">
-              <a:solidFill>
-                <a:schemeClr val="accent1">
-                  <a:lumMod val="75000"/>
-                </a:schemeClr>
-              </a:solidFill>
-            </a:endParaRPr>
-          </a:p>
-          <a:p>
-            <a:pPr algn="just"/>
-            <a:r>
-              <a:rPr lang="en-IN" b="1" dirty="0" err="1" smtClean="0"/>
-              <a:t>LightGBM</a:t>
-            </a:r>
-            <a:r>
-              <a:rPr lang="en-IN" b="1" dirty="0"/>
-              <a:t>: A Highly Efficient Gradient Boosting Decision Tree [2017]</a:t>
-            </a:r>
-          </a:p>
-          <a:p>
-            <a:pPr marL="457200" lvl="1" indent="0" algn="just">
-              <a:buNone/>
-            </a:pPr>
-            <a:r>
-              <a:rPr lang="en-IN" dirty="0" err="1">
-                <a:solidFill>
-                  <a:schemeClr val="accent1">
-                    <a:lumMod val="75000"/>
-                  </a:schemeClr>
-                </a:solidFill>
-              </a:rPr>
-              <a:t>Guolin</a:t>
-            </a:r>
-            <a:r>
-              <a:rPr lang="en-IN" dirty="0">
-                <a:solidFill>
-                  <a:schemeClr val="accent1">
-                    <a:lumMod val="75000"/>
-                  </a:schemeClr>
-                </a:solidFill>
-              </a:rPr>
-              <a:t> </a:t>
-            </a:r>
-            <a:r>
-              <a:rPr lang="en-IN" dirty="0" err="1">
-                <a:solidFill>
-                  <a:schemeClr val="accent1">
-                    <a:lumMod val="75000"/>
-                  </a:schemeClr>
-                </a:solidFill>
-              </a:rPr>
-              <a:t>Ke</a:t>
-            </a:r>
-            <a:r>
-              <a:rPr lang="en-IN" dirty="0">
-                <a:solidFill>
-                  <a:schemeClr val="accent1">
-                    <a:lumMod val="75000"/>
-                  </a:schemeClr>
-                </a:solidFill>
-              </a:rPr>
-              <a:t> , Qi </a:t>
-            </a:r>
-            <a:r>
-              <a:rPr lang="en-IN" dirty="0" err="1">
-                <a:solidFill>
-                  <a:schemeClr val="accent1">
-                    <a:lumMod val="75000"/>
-                  </a:schemeClr>
-                </a:solidFill>
-              </a:rPr>
-              <a:t>Meng</a:t>
-            </a:r>
-            <a:r>
-              <a:rPr lang="en-IN" dirty="0">
-                <a:solidFill>
-                  <a:schemeClr val="accent1">
-                    <a:lumMod val="75000"/>
-                  </a:schemeClr>
-                </a:solidFill>
-              </a:rPr>
-              <a:t> , Thomas Finley , </a:t>
-            </a:r>
-            <a:r>
-              <a:rPr lang="en-IN" dirty="0" err="1">
-                <a:solidFill>
-                  <a:schemeClr val="accent1">
-                    <a:lumMod val="75000"/>
-                  </a:schemeClr>
-                </a:solidFill>
-              </a:rPr>
-              <a:t>Taifeng</a:t>
-            </a:r>
-            <a:r>
-              <a:rPr lang="en-IN" dirty="0">
-                <a:solidFill>
-                  <a:schemeClr val="accent1">
-                    <a:lumMod val="75000"/>
-                  </a:schemeClr>
-                </a:solidFill>
-              </a:rPr>
-              <a:t> Wang , Wei Chen , </a:t>
-            </a:r>
-            <a:r>
-              <a:rPr lang="en-IN" dirty="0" err="1">
-                <a:solidFill>
-                  <a:schemeClr val="accent1">
-                    <a:lumMod val="75000"/>
-                  </a:schemeClr>
-                </a:solidFill>
-              </a:rPr>
-              <a:t>Weidong</a:t>
-            </a:r>
-            <a:r>
-              <a:rPr lang="en-IN" dirty="0">
-                <a:solidFill>
-                  <a:schemeClr val="accent1">
-                    <a:lumMod val="75000"/>
-                  </a:schemeClr>
-                </a:solidFill>
-              </a:rPr>
-              <a:t> Ma , </a:t>
-            </a:r>
-            <a:r>
-              <a:rPr lang="en-IN" dirty="0" err="1">
-                <a:solidFill>
-                  <a:schemeClr val="accent1">
-                    <a:lumMod val="75000"/>
-                  </a:schemeClr>
-                </a:solidFill>
-              </a:rPr>
-              <a:t>Qiwei</a:t>
-            </a:r>
-            <a:r>
-              <a:rPr lang="en-IN" dirty="0">
-                <a:solidFill>
-                  <a:schemeClr val="accent1">
-                    <a:lumMod val="75000"/>
-                  </a:schemeClr>
-                </a:solidFill>
-              </a:rPr>
-              <a:t> Ye , Tie-Yan Liu</a:t>
-            </a:r>
-          </a:p>
-          <a:p>
-            <a:pPr marL="457200" lvl="1" indent="0" algn="just">
-              <a:buNone/>
-            </a:pPr>
-            <a:endParaRPr lang="en-IN" dirty="0">
-              <a:solidFill>
-                <a:schemeClr val="accent1">
-                  <a:lumMod val="75000"/>
-                </a:schemeClr>
-              </a:solidFill>
-            </a:endParaRPr>
-          </a:p>
-        </p:txBody>
-      </p:sp>
-      <p:sp>
-        <p:nvSpPr>
-          <p:cNvPr id="4" name="Footer Placeholder 3"/>
-          <p:cNvSpPr>
-            <a:spLocks noGrp="1"/>
-          </p:cNvSpPr>
-          <p:nvPr>
-            <p:ph type="ftr" sz="quarter" idx="11"/>
-          </p:nvPr>
-        </p:nvSpPr>
-        <p:spPr/>
-        <p:txBody>
-          <a:bodyPr/>
-          <a:lstStyle/>
-          <a:p>
-            <a:r>
-              <a:rPr lang="en-US" smtClean="0"/>
-              <a:t>School of Computer Science and Engineering           19BCE1856</a:t>
-            </a:r>
-            <a:endParaRPr lang="en-IN"/>
+        <p:spPr/>
+        <p:txBody>
+          <a:bodyPr/>
+          <a:lstStyle/>
+          <a:p>
+            <a:r>
+              <a:rPr lang="en-US" dirty="0" smtClean="0"/>
+              <a:t>I have asked my Guide to publish the Research Paper.</a:t>
+            </a:r>
+            <a:br>
+              <a:rPr lang="en-US" dirty="0" smtClean="0"/>
+            </a:br>
+            <a:r>
+              <a:rPr lang="en-US" dirty="0" smtClean="0"/>
+              <a:t>So, it’s basically in communication phase.</a:t>
+            </a:r>
+            <a:endParaRPr lang="en-IN" dirty="0"/>
           </a:p>
         </p:txBody>
       </p:sp>
     </p:spTree>
     <p:extLst>
       <p:ext uri="{BB962C8B-B14F-4D97-AF65-F5344CB8AC3E}">
-        <p14:creationId xmlns:p14="http://schemas.microsoft.com/office/powerpoint/2010/main" val="1624793842"/>
+        <p14:creationId xmlns:p14="http://schemas.microsoft.com/office/powerpoint/2010/main" val="571294609"/>
       </p:ext>
     </p:extLst>
   </p:cSld>
@@ -5137,103 +4763,125 @@
       </p:grpSpPr>
       <p:sp>
         <p:nvSpPr>
-          <p:cNvPr id="3" name="Content Placeholder 2"/>
-          <p:cNvSpPr>
-            <a:spLocks noGrp="1"/>
-          </p:cNvSpPr>
-          <p:nvPr>
-            <p:ph idx="1"/>
-          </p:nvPr>
-        </p:nvSpPr>
-        <p:spPr/>
-        <p:txBody>
-          <a:bodyPr/>
-          <a:lstStyle/>
-          <a:p>
-            <a:r>
-              <a:rPr lang="en-IN" b="1" dirty="0"/>
-              <a:t>Customer Lifetime Value Prediction Using </a:t>
-            </a:r>
-            <a:r>
-              <a:rPr lang="en-IN" b="1" dirty="0" err="1"/>
-              <a:t>Embeddings</a:t>
-            </a:r>
-            <a:r>
-              <a:rPr lang="en-IN" b="1" dirty="0"/>
-              <a:t> [2017]</a:t>
-            </a:r>
-          </a:p>
-          <a:p>
-            <a:pPr marL="457200" lvl="1" indent="0">
-              <a:buNone/>
-            </a:pPr>
-            <a:r>
-              <a:rPr lang="en-IN" dirty="0">
-                <a:solidFill>
-                  <a:schemeClr val="accent1">
-                    <a:lumMod val="75000"/>
-                  </a:schemeClr>
-                </a:solidFill>
-              </a:rPr>
-              <a:t>Benjamin Paul Chamberlain, Angelo Cardoso, C.H. Bryan Liu, Roberto </a:t>
-            </a:r>
-            <a:r>
-              <a:rPr lang="en-IN" dirty="0" err="1">
-                <a:solidFill>
-                  <a:schemeClr val="accent1">
-                    <a:lumMod val="75000"/>
-                  </a:schemeClr>
-                </a:solidFill>
-              </a:rPr>
-              <a:t>Pagliari</a:t>
-            </a:r>
-            <a:r>
-              <a:rPr lang="en-IN" dirty="0">
-                <a:solidFill>
-                  <a:schemeClr val="accent1">
-                    <a:lumMod val="75000"/>
-                  </a:schemeClr>
-                </a:solidFill>
-              </a:rPr>
-              <a:t>, Marc Peter </a:t>
-            </a:r>
-            <a:r>
-              <a:rPr lang="en-IN" dirty="0" err="1" smtClean="0">
-                <a:solidFill>
-                  <a:schemeClr val="accent1">
-                    <a:lumMod val="75000"/>
-                  </a:schemeClr>
-                </a:solidFill>
-              </a:rPr>
-              <a:t>Deisenroth</a:t>
-            </a:r>
-            <a:endParaRPr lang="en-IN" dirty="0" smtClean="0">
+          <p:cNvPr id="2" name="Title 1"/>
+          <p:cNvSpPr>
+            <a:spLocks noGrp="1"/>
+          </p:cNvSpPr>
+          <p:nvPr>
+            <p:ph type="title"/>
+          </p:nvPr>
+        </p:nvSpPr>
+        <p:spPr/>
+        <p:txBody>
+          <a:bodyPr/>
+          <a:lstStyle/>
+          <a:p>
+            <a:r>
+              <a:rPr lang="en-IN" b="1" dirty="0" smtClean="0"/>
+              <a:t>References </a:t>
+            </a:r>
+            <a:r>
+              <a:rPr lang="en-IN" b="1" dirty="0" smtClean="0">
+                <a:solidFill>
+                  <a:srgbClr val="FF0000"/>
+                </a:solidFill>
+              </a:rPr>
+              <a:t>( Same order as Literature Review)</a:t>
+            </a:r>
+            <a:endParaRPr lang="en-IN" b="1" dirty="0">
               <a:solidFill>
-                <a:schemeClr val="accent1">
-                  <a:lumMod val="75000"/>
-                </a:schemeClr>
+                <a:srgbClr val="FF0000"/>
               </a:solidFill>
             </a:endParaRPr>
           </a:p>
+        </p:txBody>
+      </p:sp>
+      <p:sp>
+        <p:nvSpPr>
+          <p:cNvPr id="3" name="Content Placeholder 2"/>
+          <p:cNvSpPr>
+            <a:spLocks noGrp="1"/>
+          </p:cNvSpPr>
+          <p:nvPr>
+            <p:ph idx="1"/>
+          </p:nvPr>
+        </p:nvSpPr>
+        <p:spPr/>
+        <p:txBody>
+          <a:bodyPr>
+            <a:normAutofit/>
+          </a:bodyPr>
+          <a:lstStyle/>
+          <a:p>
+            <a:r>
+              <a:rPr lang="en-US" b="1" dirty="0"/>
+              <a:t>The Impact of Customer Satisfaction and Relationship Quality on Customer Retention: A Critical Reassessment and Model Development [1997]</a:t>
+            </a:r>
+          </a:p>
           <a:p>
             <a:pPr marL="457200" lvl="1" indent="0">
               <a:buNone/>
             </a:pPr>
-            <a:endParaRPr lang="en-IN" b="1" dirty="0"/>
-          </a:p>
-          <a:p>
-            <a:pPr algn="just"/>
-            <a:r>
-              <a:rPr lang="en-US" b="1" dirty="0"/>
-              <a:t>Introduction to artificial neural networks [2018]</a:t>
-            </a:r>
-            <a:endParaRPr lang="en-IN" b="1" dirty="0"/>
-          </a:p>
-          <a:p>
-            <a:pPr marL="457200" lvl="1" indent="0" algn="just">
+            <a:r>
+              <a:rPr lang="en-US" dirty="0">
+                <a:solidFill>
+                  <a:schemeClr val="accent1">
+                    <a:lumMod val="75000"/>
+                  </a:schemeClr>
+                </a:solidFill>
+              </a:rPr>
+              <a:t>Thorsten </a:t>
+            </a:r>
+            <a:r>
+              <a:rPr lang="en-US" dirty="0" err="1">
+                <a:solidFill>
+                  <a:schemeClr val="accent1">
+                    <a:lumMod val="75000"/>
+                  </a:schemeClr>
+                </a:solidFill>
+              </a:rPr>
+              <a:t>Hennig-Thurau</a:t>
+            </a:r>
+            <a:r>
+              <a:rPr lang="en-US" dirty="0">
+                <a:solidFill>
+                  <a:schemeClr val="accent1">
+                    <a:lumMod val="75000"/>
+                  </a:schemeClr>
+                </a:solidFill>
+              </a:rPr>
+              <a:t> and Alexander Klee (University of Hanover)</a:t>
+            </a:r>
+          </a:p>
+          <a:p>
+            <a:r>
+              <a:rPr lang="en-IN" b="1" dirty="0" smtClean="0"/>
+              <a:t>Churn </a:t>
+            </a:r>
+            <a:r>
+              <a:rPr lang="en-IN" b="1" dirty="0"/>
+              <a:t>Prediction: Does Technology Matter? </a:t>
+            </a:r>
+            <a:r>
+              <a:rPr lang="en-IN" b="1" dirty="0" smtClean="0"/>
+              <a:t>[2006]</a:t>
+            </a:r>
+          </a:p>
+          <a:p>
+            <a:pPr marL="457200" lvl="1" indent="0">
               <a:buNone/>
             </a:pPr>
             <a:r>
+              <a:rPr lang="en-IN" dirty="0" smtClean="0">
+                <a:solidFill>
+                  <a:schemeClr val="accent1">
+                    <a:lumMod val="75000"/>
+                  </a:schemeClr>
+                </a:solidFill>
+              </a:rPr>
+              <a:t>John </a:t>
+            </a:r>
+            <a:r>
               <a:rPr lang="en-IN" dirty="0">
                 <a:solidFill>
                   <a:schemeClr val="accent1">
@@ -5241,37 +4889,17 @@
                   </a:schemeClr>
                 </a:solidFill>
               </a:rPr>
-              <a:t>Enzo </a:t>
-            </a:r>
-            <a:r>
-              <a:rPr lang="en-IN" dirty="0" err="1">
-                <a:solidFill>
-                  <a:schemeClr val="accent1">
-                    <a:lumMod val="75000"/>
-                  </a:schemeClr>
-                </a:solidFill>
-              </a:rPr>
-              <a:t>Grossi</a:t>
-            </a:r>
-            <a:r>
-              <a:rPr lang="en-IN" dirty="0">
-                <a:solidFill>
-                  <a:schemeClr val="accent1">
-                    <a:lumMod val="75000"/>
-                  </a:schemeClr>
-                </a:solidFill>
-              </a:rPr>
-              <a:t> , Massimo </a:t>
-            </a:r>
-            <a:r>
-              <a:rPr lang="en-IN" dirty="0" err="1">
-                <a:solidFill>
-                  <a:schemeClr val="accent1">
-                    <a:lumMod val="75000"/>
-                  </a:schemeClr>
-                </a:solidFill>
-              </a:rPr>
-              <a:t>Buscema</a:t>
+              <a:t>Hadden, Ashutosh Tiwari, Rajkumar Roy, and Dymitr </a:t>
+            </a:r>
+            <a:r>
+              <a:rPr lang="en-IN" dirty="0" smtClean="0">
+                <a:solidFill>
+                  <a:schemeClr val="accent1">
+                    <a:lumMod val="75000"/>
+                  </a:schemeClr>
+                </a:solidFill>
+              </a:rPr>
+              <a:t>Ruta</a:t>
             </a:r>
             <a:endParaRPr lang="en-IN" dirty="0">
               <a:solidFill>
@@ -5282,23 +4910,31 @@
             </a:endParaRPr>
           </a:p>
           <a:p>
-            <a:endParaRPr lang="en-IN" b="1" dirty="0" smtClean="0"/>
-          </a:p>
-          <a:p>
-            <a:r>
-              <a:rPr lang="en-IN" b="1" dirty="0" smtClean="0"/>
-              <a:t>Online </a:t>
-            </a:r>
-            <a:r>
-              <a:rPr lang="en-IN" b="1" dirty="0"/>
-              <a:t>Fashion Commerce: Modelling Customer Promise Date [2021]</a:t>
-            </a:r>
-          </a:p>
-          <a:p>
-            <a:pPr marL="457200" lvl="1" indent="0">
+            <a:pPr algn="just"/>
+            <a:r>
+              <a:rPr lang="en-US" b="1" dirty="0" err="1"/>
+              <a:t>Scikit</a:t>
+            </a:r>
+            <a:r>
+              <a:rPr lang="en-US" b="1" dirty="0"/>
+              <a:t>-learn: Machine Learning in Python [2012]</a:t>
+            </a:r>
+          </a:p>
+          <a:p>
+            <a:pPr marL="457200" lvl="1" indent="0" algn="just">
               <a:buNone/>
             </a:pPr>
             <a:r>
+              <a:rPr lang="en-IN" dirty="0">
+                <a:solidFill>
+                  <a:schemeClr val="accent1">
+                    <a:lumMod val="75000"/>
+                  </a:schemeClr>
+                </a:solidFill>
+              </a:rPr>
+              <a:t>Fabian </a:t>
+            </a:r>
+            <a:r>
               <a:rPr lang="en-IN" dirty="0" err="1">
                 <a:solidFill>
                   <a:schemeClr val="accent1">
@@ -5306,7 +4942,7 @@
                   </a:schemeClr>
                 </a:solidFill>
               </a:rPr>
-              <a:t>Preethi</a:t>
+              <a:t>Pedregosa</a:t>
             </a:r>
             <a:r>
               <a:rPr lang="en-IN" dirty="0">
@@ -5316,7 +4952,7 @@
                   </a:schemeClr>
                 </a:solidFill>
               </a:rPr>
-              <a:t> V, </a:t>
+              <a:t>, </a:t>
             </a:r>
             <a:r>
               <a:rPr lang="en-IN" dirty="0" err="1">
@@ -5326,7 +4962,7 @@
                   </a:schemeClr>
                 </a:solidFill>
               </a:rPr>
-              <a:t>Nachiappan</a:t>
+              <a:t>Gaël</a:t>
             </a:r>
             <a:r>
               <a:rPr lang="en-IN" dirty="0">
@@ -5346,7 +4982,7 @@
                   </a:schemeClr>
                 </a:solidFill>
               </a:rPr>
-              <a:t>Sundaram</a:t>
+              <a:t>Varoquaux</a:t>
             </a:r>
             <a:r>
               <a:rPr lang="en-IN" dirty="0">
@@ -5356,7 +4992,7 @@
                   </a:schemeClr>
                 </a:solidFill>
               </a:rPr>
-              <a:t>, </a:t>
+              <a:t>, Alexandre </a:t>
             </a:r>
             <a:r>
               <a:rPr lang="en-IN" dirty="0" err="1">
@@ -5366,7 +5002,7 @@
                   </a:schemeClr>
                 </a:solidFill>
               </a:rPr>
-              <a:t>Ravindra</a:t>
+              <a:t>Gramfort</a:t>
             </a:r>
             <a:r>
               <a:rPr lang="en-IN" dirty="0">
@@ -5376,7 +5012,7 @@
                   </a:schemeClr>
                 </a:solidFill>
               </a:rPr>
-              <a:t> </a:t>
+              <a:t>, Vincent Michel, Bertrand </a:t>
             </a:r>
             <a:r>
               <a:rPr lang="en-IN" dirty="0" err="1">
@@ -5386,7 +5022,7 @@
                   </a:schemeClr>
                 </a:solidFill>
               </a:rPr>
-              <a:t>Babu</a:t>
+              <a:t>Thirion</a:t>
             </a:r>
             <a:r>
               <a:rPr lang="en-IN" dirty="0">
@@ -5396,7 +5032,7 @@
                   </a:schemeClr>
                 </a:solidFill>
               </a:rPr>
-              <a:t> </a:t>
+              <a:t>, Olivier </a:t>
             </a:r>
             <a:r>
               <a:rPr lang="en-IN" dirty="0" err="1">
@@ -5406,8 +5042,93 @@
                   </a:schemeClr>
                 </a:solidFill>
               </a:rPr>
-              <a:t>Tallamraju</a:t>
-            </a:r>
+              <a:t>Grisel</a:t>
+            </a:r>
+            <a:r>
+              <a:rPr lang="en-IN" dirty="0">
+                <a:solidFill>
+                  <a:schemeClr val="accent1">
+                    <a:lumMod val="75000"/>
+                  </a:schemeClr>
+                </a:solidFill>
+              </a:rPr>
+              <a:t>, Mathieu </a:t>
+            </a:r>
+            <a:r>
+              <a:rPr lang="en-IN" dirty="0" err="1">
+                <a:solidFill>
+                  <a:schemeClr val="accent1">
+                    <a:lumMod val="75000"/>
+                  </a:schemeClr>
+                </a:solidFill>
+              </a:rPr>
+              <a:t>Blondel</a:t>
+            </a:r>
+            <a:r>
+              <a:rPr lang="en-IN" dirty="0">
+                <a:solidFill>
+                  <a:schemeClr val="accent1">
+                    <a:lumMod val="75000"/>
+                  </a:schemeClr>
+                </a:solidFill>
+              </a:rPr>
+              <a:t>, Peter </a:t>
+            </a:r>
+            <a:r>
+              <a:rPr lang="en-IN" dirty="0" err="1">
+                <a:solidFill>
+                  <a:schemeClr val="accent1">
+                    <a:lumMod val="75000"/>
+                  </a:schemeClr>
+                </a:solidFill>
+              </a:rPr>
+              <a:t>Prettenhofer</a:t>
+            </a:r>
+            <a:r>
+              <a:rPr lang="en-IN" dirty="0">
+                <a:solidFill>
+                  <a:schemeClr val="accent1">
+                    <a:lumMod val="75000"/>
+                  </a:schemeClr>
+                </a:solidFill>
+              </a:rPr>
+              <a:t>, Ron Weiss, Vincent </a:t>
+            </a:r>
+            <a:r>
+              <a:rPr lang="en-IN" dirty="0" err="1">
+                <a:solidFill>
+                  <a:schemeClr val="accent1">
+                    <a:lumMod val="75000"/>
+                  </a:schemeClr>
+                </a:solidFill>
+              </a:rPr>
+              <a:t>Dubourg</a:t>
+            </a:r>
+            <a:r>
+              <a:rPr lang="en-IN" dirty="0">
+                <a:solidFill>
+                  <a:schemeClr val="accent1">
+                    <a:lumMod val="75000"/>
+                  </a:schemeClr>
+                </a:solidFill>
+              </a:rPr>
+              <a:t>, et </a:t>
+            </a:r>
+            <a:r>
+              <a:rPr lang="en-IN" dirty="0" smtClean="0">
+                <a:solidFill>
+                  <a:schemeClr val="accent1">
+                    <a:lumMod val="75000"/>
+                  </a:schemeClr>
+                </a:solidFill>
+              </a:rPr>
+              <a:t>al</a:t>
+            </a:r>
+          </a:p>
+          <a:p>
+            <a:pPr marL="457200" lvl="1" indent="0" algn="just">
+              <a:buNone/>
+            </a:pPr>
             <a:endParaRPr lang="en-IN" dirty="0">
               <a:solidFill>
                 <a:schemeClr val="accent1">
@@ -5417,22 +5138,22 @@
             </a:endParaRPr>
           </a:p>
           <a:p>
-            <a:pPr marL="457200" lvl="1" indent="0">
+            <a:pPr marL="0" indent="0">
               <a:buNone/>
             </a:pPr>
-            <a:endParaRPr lang="en-US" dirty="0">
-              <a:solidFill>
-                <a:schemeClr val="accent1">
-                  <a:lumMod val="75000"/>
-                </a:schemeClr>
-              </a:solidFill>
-            </a:endParaRPr>
-          </a:p>
-          <a:p>
+            <a:endParaRPr lang="en-US" dirty="0"/>
+          </a:p>
+          <a:p>
+            <a:pPr marL="0" indent="0">
+              <a:buNone/>
+            </a:pPr>
+            <a:endParaRPr lang="en-US" dirty="0"/>
+          </a:p>
+          <a:p>
+            <a:pPr marL="0" indent="0">
+              <a:buNone/>
+            </a:pPr>
             <a:endParaRPr lang="en-IN" dirty="0"/>
-          </a:p>
-          <a:p>
-            <a:endParaRPr lang="en-US" dirty="0" smtClean="0"/>
           </a:p>
         </p:txBody>
       </p:sp>
@@ -5462,7 +5183,7 @@
     </p:spTree>
     <p:extLst>
       <p:ext uri="{BB962C8B-B14F-4D97-AF65-F5344CB8AC3E}">
-        <p14:creationId xmlns:p14="http://schemas.microsoft.com/office/powerpoint/2010/main" val="1598903296"/>
+        <p14:creationId xmlns:p14="http://schemas.microsoft.com/office/powerpoint/2010/main" val="192220845"/>
       </p:ext>
     </p:extLst>
   </p:cSld>
@@ -5491,24 +5212,473 @@
       </p:grpSpPr>
       <p:sp>
         <p:nvSpPr>
-          <p:cNvPr id="5" name="Title 4"/>
-          <p:cNvSpPr>
-            <a:spLocks noGrp="1"/>
-          </p:cNvSpPr>
-          <p:nvPr>
-            <p:ph type="ctrTitle"/>
-          </p:nvPr>
-        </p:nvSpPr>
-        <p:spPr/>
-        <p:txBody>
-          <a:bodyPr/>
-          <a:lstStyle/>
-          <a:p>
-            <a:r>
-              <a:rPr lang="en-IN" b="1" dirty="0" smtClean="0"/>
-              <a:t>Thank You </a:t>
-            </a:r>
-            <a:endParaRPr lang="en-IN" b="1" dirty="0"/>
+          <p:cNvPr id="3" name="Content Placeholder 2"/>
+          <p:cNvSpPr>
+            <a:spLocks noGrp="1"/>
+          </p:cNvSpPr>
+          <p:nvPr>
+            <p:ph idx="1"/>
+          </p:nvPr>
+        </p:nvSpPr>
+        <p:spPr>
+          <a:xfrm>
+            <a:off x="838200" y="1825624"/>
+            <a:ext cx="10515600" cy="4530725"/>
+          </a:xfrm>
+        </p:spPr>
+        <p:txBody>
+          <a:bodyPr>
+            <a:normAutofit lnSpcReduction="10000"/>
+          </a:bodyPr>
+          <a:lstStyle/>
+          <a:p>
+            <a:pPr algn="just"/>
+            <a:r>
+              <a:rPr lang="en-US" b="1" dirty="0"/>
+              <a:t>Customer Churn Prediction in Telecommunication A Decade Review and Classification [2013]</a:t>
+            </a:r>
+          </a:p>
+          <a:p>
+            <a:pPr marL="457200" lvl="1" indent="0" algn="just">
+              <a:buNone/>
+            </a:pPr>
+            <a:r>
+              <a:rPr lang="en-IN" dirty="0" err="1">
+                <a:solidFill>
+                  <a:schemeClr val="accent1">
+                    <a:lumMod val="75000"/>
+                  </a:schemeClr>
+                </a:solidFill>
+              </a:rPr>
+              <a:t>Nabgha</a:t>
+            </a:r>
+            <a:r>
+              <a:rPr lang="en-IN" dirty="0">
+                <a:solidFill>
+                  <a:schemeClr val="accent1">
+                    <a:lumMod val="75000"/>
+                  </a:schemeClr>
+                </a:solidFill>
+              </a:rPr>
+              <a:t> Hashmi ,Naveed </a:t>
+            </a:r>
+            <a:r>
+              <a:rPr lang="en-IN" dirty="0" err="1">
+                <a:solidFill>
+                  <a:schemeClr val="accent1">
+                    <a:lumMod val="75000"/>
+                  </a:schemeClr>
+                </a:solidFill>
+              </a:rPr>
+              <a:t>Anwer</a:t>
+            </a:r>
+            <a:r>
+              <a:rPr lang="en-IN" dirty="0">
+                <a:solidFill>
+                  <a:schemeClr val="accent1">
+                    <a:lumMod val="75000"/>
+                  </a:schemeClr>
+                </a:solidFill>
+              </a:rPr>
+              <a:t> Butt and </a:t>
+            </a:r>
+            <a:r>
+              <a:rPr lang="en-IN" dirty="0" err="1">
+                <a:solidFill>
+                  <a:schemeClr val="accent1">
+                    <a:lumMod val="75000"/>
+                  </a:schemeClr>
+                </a:solidFill>
+              </a:rPr>
+              <a:t>Dr.Muddesar</a:t>
+            </a:r>
+            <a:r>
+              <a:rPr lang="en-IN" dirty="0">
+                <a:solidFill>
+                  <a:schemeClr val="accent1">
+                    <a:lumMod val="75000"/>
+                  </a:schemeClr>
+                </a:solidFill>
+              </a:rPr>
+              <a:t> Iqbal</a:t>
+            </a:r>
+            <a:endParaRPr lang="en-US" dirty="0">
+              <a:solidFill>
+                <a:schemeClr val="accent1">
+                  <a:lumMod val="75000"/>
+                </a:schemeClr>
+              </a:solidFill>
+            </a:endParaRPr>
+          </a:p>
+          <a:p>
+            <a:r>
+              <a:rPr lang="en-US" b="1" dirty="0" smtClean="0"/>
+              <a:t>An </a:t>
+            </a:r>
+            <a:r>
+              <a:rPr lang="en-US" b="1" dirty="0"/>
+              <a:t>Integrated Framework to Recommend Personalized Retention Actions to Control B2C E-Commerce Customer Churn [2015]</a:t>
+            </a:r>
+          </a:p>
+          <a:p>
+            <a:pPr marL="457200" lvl="1" indent="0">
+              <a:buNone/>
+            </a:pPr>
+            <a:r>
+              <a:rPr lang="en-US" dirty="0" err="1">
+                <a:solidFill>
+                  <a:schemeClr val="accent1">
+                    <a:lumMod val="75000"/>
+                  </a:schemeClr>
+                </a:solidFill>
+              </a:rPr>
+              <a:t>Shini</a:t>
+            </a:r>
+            <a:r>
+              <a:rPr lang="en-US" dirty="0">
+                <a:solidFill>
+                  <a:schemeClr val="accent1">
+                    <a:lumMod val="75000"/>
+                  </a:schemeClr>
+                </a:solidFill>
+              </a:rPr>
+              <a:t> </a:t>
+            </a:r>
+            <a:r>
+              <a:rPr lang="en-US" dirty="0" err="1">
+                <a:solidFill>
+                  <a:schemeClr val="accent1">
+                    <a:lumMod val="75000"/>
+                  </a:schemeClr>
+                </a:solidFill>
+              </a:rPr>
+              <a:t>Renjith</a:t>
+            </a:r>
+            <a:r>
+              <a:rPr lang="en-US" dirty="0">
+                <a:solidFill>
+                  <a:schemeClr val="accent1">
+                    <a:lumMod val="75000"/>
+                  </a:schemeClr>
+                </a:solidFill>
+              </a:rPr>
+              <a:t> </a:t>
+            </a:r>
+            <a:endParaRPr lang="en-US" b="1" dirty="0" smtClean="0"/>
+          </a:p>
+          <a:p>
+            <a:r>
+              <a:rPr lang="en-US" b="1" dirty="0" smtClean="0"/>
+              <a:t>Predicting </a:t>
+            </a:r>
+            <a:r>
+              <a:rPr lang="en-US" b="1" dirty="0"/>
+              <a:t>Shipping Time with Machine Learning</a:t>
+            </a:r>
+            <a:r>
+              <a:rPr lang="en-IN" b="1" dirty="0"/>
+              <a:t>. [2015]</a:t>
+            </a:r>
+          </a:p>
+          <a:p>
+            <a:pPr marL="457200" lvl="1" indent="0">
+              <a:buNone/>
+            </a:pPr>
+            <a:r>
+              <a:rPr lang="en-IN" dirty="0">
+                <a:solidFill>
+                  <a:schemeClr val="accent1">
+                    <a:lumMod val="75000"/>
+                  </a:schemeClr>
+                </a:solidFill>
+              </a:rPr>
+              <a:t>Antoine </a:t>
+            </a:r>
+            <a:r>
+              <a:rPr lang="en-IN" dirty="0" err="1">
+                <a:solidFill>
+                  <a:schemeClr val="accent1">
+                    <a:lumMod val="75000"/>
+                  </a:schemeClr>
+                </a:solidFill>
+              </a:rPr>
+              <a:t>Jonquais</a:t>
+            </a:r>
+            <a:r>
+              <a:rPr lang="en-IN" dirty="0">
+                <a:solidFill>
+                  <a:schemeClr val="accent1">
+                    <a:lumMod val="75000"/>
+                  </a:schemeClr>
+                </a:solidFill>
+              </a:rPr>
+              <a:t>, Florian </a:t>
+            </a:r>
+            <a:r>
+              <a:rPr lang="en-IN" dirty="0" err="1">
+                <a:solidFill>
+                  <a:schemeClr val="accent1">
+                    <a:lumMod val="75000"/>
+                  </a:schemeClr>
+                </a:solidFill>
+              </a:rPr>
+              <a:t>Krempl</a:t>
+            </a:r>
+            <a:r>
+              <a:rPr lang="en-IN" dirty="0">
+                <a:solidFill>
+                  <a:schemeClr val="accent1">
+                    <a:lumMod val="75000"/>
+                  </a:schemeClr>
+                </a:solidFill>
+              </a:rPr>
+              <a:t> Advisor, </a:t>
+            </a:r>
+            <a:r>
+              <a:rPr lang="en-IN" dirty="0" err="1">
+                <a:solidFill>
+                  <a:schemeClr val="accent1">
+                    <a:lumMod val="75000"/>
+                  </a:schemeClr>
+                </a:solidFill>
+              </a:rPr>
+              <a:t>Dr.</a:t>
+            </a:r>
+            <a:r>
+              <a:rPr lang="en-IN" dirty="0">
+                <a:solidFill>
+                  <a:schemeClr val="accent1">
+                    <a:lumMod val="75000"/>
+                  </a:schemeClr>
+                </a:solidFill>
+              </a:rPr>
+              <a:t> Roar </a:t>
+            </a:r>
+            <a:r>
+              <a:rPr lang="en-IN" dirty="0" err="1">
+                <a:solidFill>
+                  <a:schemeClr val="accent1">
+                    <a:lumMod val="75000"/>
+                  </a:schemeClr>
+                </a:solidFill>
+              </a:rPr>
+              <a:t>Adland</a:t>
+            </a:r>
+            <a:r>
+              <a:rPr lang="en-IN" dirty="0">
+                <a:solidFill>
+                  <a:schemeClr val="accent1">
+                    <a:lumMod val="75000"/>
+                  </a:schemeClr>
+                </a:solidFill>
+              </a:rPr>
+              <a:t>, </a:t>
+            </a:r>
+            <a:r>
+              <a:rPr lang="en-IN" dirty="0" err="1">
+                <a:solidFill>
+                  <a:schemeClr val="accent1">
+                    <a:lumMod val="75000"/>
+                  </a:schemeClr>
+                </a:solidFill>
+              </a:rPr>
+              <a:t>Dr.</a:t>
+            </a:r>
+            <a:r>
+              <a:rPr lang="en-IN" dirty="0">
+                <a:solidFill>
+                  <a:schemeClr val="accent1">
+                    <a:lumMod val="75000"/>
+                  </a:schemeClr>
+                </a:solidFill>
+              </a:rPr>
+              <a:t> </a:t>
+            </a:r>
+            <a:r>
+              <a:rPr lang="en-IN" dirty="0" err="1">
+                <a:solidFill>
+                  <a:schemeClr val="accent1">
+                    <a:lumMod val="75000"/>
+                  </a:schemeClr>
+                </a:solidFill>
+              </a:rPr>
+              <a:t>Haiying</a:t>
+            </a:r>
+            <a:r>
+              <a:rPr lang="en-IN" dirty="0">
+                <a:solidFill>
+                  <a:schemeClr val="accent1">
+                    <a:lumMod val="75000"/>
+                  </a:schemeClr>
+                </a:solidFill>
+              </a:rPr>
+              <a:t> </a:t>
+            </a:r>
+            <a:r>
+              <a:rPr lang="en-IN" dirty="0" err="1" smtClean="0">
+                <a:solidFill>
+                  <a:schemeClr val="accent1">
+                    <a:lumMod val="75000"/>
+                  </a:schemeClr>
+                </a:solidFill>
+              </a:rPr>
+              <a:t>Jia</a:t>
+            </a:r>
+            <a:endParaRPr lang="en-US" dirty="0" smtClean="0">
+              <a:solidFill>
+                <a:schemeClr val="accent1">
+                  <a:lumMod val="75000"/>
+                </a:schemeClr>
+              </a:solidFill>
+            </a:endParaRPr>
+          </a:p>
+          <a:p>
+            <a:pPr algn="just"/>
+            <a:r>
+              <a:rPr lang="en-IN" b="1" dirty="0" err="1" smtClean="0"/>
+              <a:t>LightGBM</a:t>
+            </a:r>
+            <a:r>
+              <a:rPr lang="en-IN" b="1" dirty="0"/>
+              <a:t>: A Highly Efficient Gradient Boosting Decision Tree [2017]</a:t>
+            </a:r>
+          </a:p>
+          <a:p>
+            <a:pPr marL="457200" lvl="1" indent="0" algn="just">
+              <a:buNone/>
+            </a:pPr>
+            <a:r>
+              <a:rPr lang="en-IN" dirty="0" err="1">
+                <a:solidFill>
+                  <a:schemeClr val="accent1">
+                    <a:lumMod val="75000"/>
+                  </a:schemeClr>
+                </a:solidFill>
+              </a:rPr>
+              <a:t>Guolin</a:t>
+            </a:r>
+            <a:r>
+              <a:rPr lang="en-IN" dirty="0">
+                <a:solidFill>
+                  <a:schemeClr val="accent1">
+                    <a:lumMod val="75000"/>
+                  </a:schemeClr>
+                </a:solidFill>
+              </a:rPr>
+              <a:t> </a:t>
+            </a:r>
+            <a:r>
+              <a:rPr lang="en-IN" dirty="0" err="1">
+                <a:solidFill>
+                  <a:schemeClr val="accent1">
+                    <a:lumMod val="75000"/>
+                  </a:schemeClr>
+                </a:solidFill>
+              </a:rPr>
+              <a:t>Ke</a:t>
+            </a:r>
+            <a:r>
+              <a:rPr lang="en-IN" dirty="0">
+                <a:solidFill>
+                  <a:schemeClr val="accent1">
+                    <a:lumMod val="75000"/>
+                  </a:schemeClr>
+                </a:solidFill>
+              </a:rPr>
+              <a:t> , Qi </a:t>
+            </a:r>
+            <a:r>
+              <a:rPr lang="en-IN" dirty="0" err="1">
+                <a:solidFill>
+                  <a:schemeClr val="accent1">
+                    <a:lumMod val="75000"/>
+                  </a:schemeClr>
+                </a:solidFill>
+              </a:rPr>
+              <a:t>Meng</a:t>
+            </a:r>
+            <a:r>
+              <a:rPr lang="en-IN" dirty="0">
+                <a:solidFill>
+                  <a:schemeClr val="accent1">
+                    <a:lumMod val="75000"/>
+                  </a:schemeClr>
+                </a:solidFill>
+              </a:rPr>
+              <a:t> , Thomas Finley , </a:t>
+            </a:r>
+            <a:r>
+              <a:rPr lang="en-IN" dirty="0" err="1">
+                <a:solidFill>
+                  <a:schemeClr val="accent1">
+                    <a:lumMod val="75000"/>
+                  </a:schemeClr>
+                </a:solidFill>
+              </a:rPr>
+              <a:t>Taifeng</a:t>
+            </a:r>
+            <a:r>
+              <a:rPr lang="en-IN" dirty="0">
+                <a:solidFill>
+                  <a:schemeClr val="accent1">
+                    <a:lumMod val="75000"/>
+                  </a:schemeClr>
+                </a:solidFill>
+              </a:rPr>
+              <a:t> Wang , Wei Chen , </a:t>
+            </a:r>
+            <a:r>
+              <a:rPr lang="en-IN" dirty="0" err="1">
+                <a:solidFill>
+                  <a:schemeClr val="accent1">
+                    <a:lumMod val="75000"/>
+                  </a:schemeClr>
+                </a:solidFill>
+              </a:rPr>
+              <a:t>Weidong</a:t>
+            </a:r>
+            <a:r>
+              <a:rPr lang="en-IN" dirty="0">
+                <a:solidFill>
+                  <a:schemeClr val="accent1">
+                    <a:lumMod val="75000"/>
+                  </a:schemeClr>
+                </a:solidFill>
+              </a:rPr>
+              <a:t> Ma , </a:t>
+            </a:r>
+            <a:r>
+              <a:rPr lang="en-IN" dirty="0" err="1">
+                <a:solidFill>
+                  <a:schemeClr val="accent1">
+                    <a:lumMod val="75000"/>
+                  </a:schemeClr>
+                </a:solidFill>
+              </a:rPr>
+              <a:t>Qiwei</a:t>
+            </a:r>
+            <a:r>
+              <a:rPr lang="en-IN" dirty="0">
+                <a:solidFill>
+                  <a:schemeClr val="accent1">
+                    <a:lumMod val="75000"/>
+                  </a:schemeClr>
+                </a:solidFill>
+              </a:rPr>
+              <a:t> Ye , Tie-Yan Liu</a:t>
+            </a:r>
+          </a:p>
+          <a:p>
+            <a:pPr marL="457200" lvl="1" indent="0" algn="just">
+              <a:buNone/>
+            </a:pPr>
+            <a:endParaRPr lang="en-IN" dirty="0">
+              <a:solidFill>
+                <a:schemeClr val="accent1">
+                  <a:lumMod val="75000"/>
+                </a:schemeClr>
+              </a:solidFill>
+            </a:endParaRPr>
           </a:p>
         </p:txBody>
       </p:sp>
@@ -5538,7 +5708,7 @@
     </p:spTree>
     <p:extLst>
       <p:ext uri="{BB962C8B-B14F-4D97-AF65-F5344CB8AC3E}">
-        <p14:creationId xmlns:p14="http://schemas.microsoft.com/office/powerpoint/2010/main" val="1901294271"/>
+        <p14:creationId xmlns:p14="http://schemas.microsoft.com/office/powerpoint/2010/main" val="1624793842"/>
       </p:ext>
     </p:extLst>
   </p:cSld>
@@ -5747,6 +5917,436 @@
     <p:extLst>
       <p:ext uri="{BB962C8B-B14F-4D97-AF65-F5344CB8AC3E}">
         <p14:creationId xmlns:p14="http://schemas.microsoft.com/office/powerpoint/2010/main" val="1321689376"/>
+      </p:ext>
+    </p:extLst>
+  </p:cSld>
+  <p:clrMapOvr>
+    <a:masterClrMapping/>
+  </p:clrMapOvr>
+</p:sld>
+</file>
+
+<file path=ppt/slides/slide20.xml><?xml version="1.0" encoding="utf-8"?>
+<p:sld xmlns:a="http://schemas.openxmlformats.org/drawingml/2006/main" xmlns:r="http://schemas.openxmlformats.org/officeDocument/2006/relationships" xmlns:p="http://schemas.openxmlformats.org/presentationml/2006/main">
+  <p:cSld>
+    <p:spTree>
+      <p:nvGrpSpPr>
+        <p:cNvPr id="1" name=""/>
+        <p:cNvGrpSpPr/>
+        <p:nvPr/>
+      </p:nvGrpSpPr>
+      <p:grpSpPr>
+        <a:xfrm>
+          <a:off x="0" y="0"/>
+          <a:ext cx="0" cy="0"/>
+          <a:chOff x="0" y="0"/>
+          <a:chExt cx="0" cy="0"/>
+        </a:xfrm>
+      </p:grpSpPr>
+      <p:sp>
+        <p:nvSpPr>
+          <p:cNvPr id="3" name="Content Placeholder 2"/>
+          <p:cNvSpPr>
+            <a:spLocks noGrp="1"/>
+          </p:cNvSpPr>
+          <p:nvPr>
+            <p:ph idx="1"/>
+          </p:nvPr>
+        </p:nvSpPr>
+        <p:spPr/>
+        <p:txBody>
+          <a:bodyPr/>
+          <a:lstStyle/>
+          <a:p>
+            <a:r>
+              <a:rPr lang="en-IN" b="1" dirty="0"/>
+              <a:t>Customer Lifetime Value Prediction Using </a:t>
+            </a:r>
+            <a:r>
+              <a:rPr lang="en-IN" b="1" dirty="0" err="1"/>
+              <a:t>Embeddings</a:t>
+            </a:r>
+            <a:r>
+              <a:rPr lang="en-IN" b="1" dirty="0"/>
+              <a:t> [2017]</a:t>
+            </a:r>
+          </a:p>
+          <a:p>
+            <a:pPr marL="457200" lvl="1" indent="0">
+              <a:buNone/>
+            </a:pPr>
+            <a:r>
+              <a:rPr lang="en-IN" dirty="0">
+                <a:solidFill>
+                  <a:schemeClr val="accent1">
+                    <a:lumMod val="75000"/>
+                  </a:schemeClr>
+                </a:solidFill>
+              </a:rPr>
+              <a:t>Benjamin Paul Chamberlain, Angelo Cardoso, C.H. Bryan Liu, Roberto </a:t>
+            </a:r>
+            <a:r>
+              <a:rPr lang="en-IN" dirty="0" err="1">
+                <a:solidFill>
+                  <a:schemeClr val="accent1">
+                    <a:lumMod val="75000"/>
+                  </a:schemeClr>
+                </a:solidFill>
+              </a:rPr>
+              <a:t>Pagliari</a:t>
+            </a:r>
+            <a:r>
+              <a:rPr lang="en-IN" dirty="0">
+                <a:solidFill>
+                  <a:schemeClr val="accent1">
+                    <a:lumMod val="75000"/>
+                  </a:schemeClr>
+                </a:solidFill>
+              </a:rPr>
+              <a:t>, Marc Peter </a:t>
+            </a:r>
+            <a:r>
+              <a:rPr lang="en-IN" dirty="0" err="1" smtClean="0">
+                <a:solidFill>
+                  <a:schemeClr val="accent1">
+                    <a:lumMod val="75000"/>
+                  </a:schemeClr>
+                </a:solidFill>
+              </a:rPr>
+              <a:t>Deisenroth</a:t>
+            </a:r>
+            <a:endParaRPr lang="en-IN" dirty="0" smtClean="0">
+              <a:solidFill>
+                <a:schemeClr val="accent1">
+                  <a:lumMod val="75000"/>
+                </a:schemeClr>
+              </a:solidFill>
+            </a:endParaRPr>
+          </a:p>
+          <a:p>
+            <a:pPr marL="457200" lvl="1" indent="0">
+              <a:buNone/>
+            </a:pPr>
+            <a:endParaRPr lang="en-IN" b="1" dirty="0"/>
+          </a:p>
+          <a:p>
+            <a:pPr algn="just"/>
+            <a:r>
+              <a:rPr lang="en-US" b="1" dirty="0"/>
+              <a:t>Introduction to artificial neural networks [2018]</a:t>
+            </a:r>
+            <a:endParaRPr lang="en-IN" b="1" dirty="0"/>
+          </a:p>
+          <a:p>
+            <a:pPr marL="457200" lvl="1" indent="0" algn="just">
+              <a:buNone/>
+            </a:pPr>
+            <a:r>
+              <a:rPr lang="en-IN" dirty="0">
+                <a:solidFill>
+                  <a:schemeClr val="accent1">
+                    <a:lumMod val="75000"/>
+                  </a:schemeClr>
+                </a:solidFill>
+              </a:rPr>
+              <a:t>Enzo </a:t>
+            </a:r>
+            <a:r>
+              <a:rPr lang="en-IN" dirty="0" err="1">
+                <a:solidFill>
+                  <a:schemeClr val="accent1">
+                    <a:lumMod val="75000"/>
+                  </a:schemeClr>
+                </a:solidFill>
+              </a:rPr>
+              <a:t>Grossi</a:t>
+            </a:r>
+            <a:r>
+              <a:rPr lang="en-IN" dirty="0">
+                <a:solidFill>
+                  <a:schemeClr val="accent1">
+                    <a:lumMod val="75000"/>
+                  </a:schemeClr>
+                </a:solidFill>
+              </a:rPr>
+              <a:t> , Massimo </a:t>
+            </a:r>
+            <a:r>
+              <a:rPr lang="en-IN" dirty="0" err="1">
+                <a:solidFill>
+                  <a:schemeClr val="accent1">
+                    <a:lumMod val="75000"/>
+                  </a:schemeClr>
+                </a:solidFill>
+              </a:rPr>
+              <a:t>Buscema</a:t>
+            </a:r>
+            <a:endParaRPr lang="en-IN" dirty="0">
+              <a:solidFill>
+                <a:schemeClr val="accent1">
+                  <a:lumMod val="75000"/>
+                </a:schemeClr>
+              </a:solidFill>
+            </a:endParaRPr>
+          </a:p>
+          <a:p>
+            <a:endParaRPr lang="en-IN" b="1" dirty="0" smtClean="0"/>
+          </a:p>
+          <a:p>
+            <a:r>
+              <a:rPr lang="en-IN" b="1" dirty="0" smtClean="0"/>
+              <a:t>Online </a:t>
+            </a:r>
+            <a:r>
+              <a:rPr lang="en-IN" b="1" dirty="0"/>
+              <a:t>Fashion Commerce: Modelling Customer Promise Date [2021]</a:t>
+            </a:r>
+          </a:p>
+          <a:p>
+            <a:pPr marL="457200" lvl="1" indent="0">
+              <a:buNone/>
+            </a:pPr>
+            <a:r>
+              <a:rPr lang="en-IN" dirty="0" err="1">
+                <a:solidFill>
+                  <a:schemeClr val="accent1">
+                    <a:lumMod val="75000"/>
+                  </a:schemeClr>
+                </a:solidFill>
+              </a:rPr>
+              <a:t>Preethi</a:t>
+            </a:r>
+            <a:r>
+              <a:rPr lang="en-IN" dirty="0">
+                <a:solidFill>
+                  <a:schemeClr val="accent1">
+                    <a:lumMod val="75000"/>
+                  </a:schemeClr>
+                </a:solidFill>
+              </a:rPr>
+              <a:t> V, </a:t>
+            </a:r>
+            <a:r>
+              <a:rPr lang="en-IN" dirty="0" err="1">
+                <a:solidFill>
+                  <a:schemeClr val="accent1">
+                    <a:lumMod val="75000"/>
+                  </a:schemeClr>
+                </a:solidFill>
+              </a:rPr>
+              <a:t>Nachiappan</a:t>
+            </a:r>
+            <a:r>
+              <a:rPr lang="en-IN" dirty="0">
+                <a:solidFill>
+                  <a:schemeClr val="accent1">
+                    <a:lumMod val="75000"/>
+                  </a:schemeClr>
+                </a:solidFill>
+              </a:rPr>
+              <a:t> </a:t>
+            </a:r>
+            <a:r>
+              <a:rPr lang="en-IN" dirty="0" err="1">
+                <a:solidFill>
+                  <a:schemeClr val="accent1">
+                    <a:lumMod val="75000"/>
+                  </a:schemeClr>
+                </a:solidFill>
+              </a:rPr>
+              <a:t>Sundaram</a:t>
+            </a:r>
+            <a:r>
+              <a:rPr lang="en-IN" dirty="0">
+                <a:solidFill>
+                  <a:schemeClr val="accent1">
+                    <a:lumMod val="75000"/>
+                  </a:schemeClr>
+                </a:solidFill>
+              </a:rPr>
+              <a:t>, </a:t>
+            </a:r>
+            <a:r>
+              <a:rPr lang="en-IN" dirty="0" err="1">
+                <a:solidFill>
+                  <a:schemeClr val="accent1">
+                    <a:lumMod val="75000"/>
+                  </a:schemeClr>
+                </a:solidFill>
+              </a:rPr>
+              <a:t>Ravindra</a:t>
+            </a:r>
+            <a:r>
+              <a:rPr lang="en-IN" dirty="0">
+                <a:solidFill>
+                  <a:schemeClr val="accent1">
+                    <a:lumMod val="75000"/>
+                  </a:schemeClr>
+                </a:solidFill>
+              </a:rPr>
+              <a:t> </a:t>
+            </a:r>
+            <a:r>
+              <a:rPr lang="en-IN" dirty="0" err="1">
+                <a:solidFill>
+                  <a:schemeClr val="accent1">
+                    <a:lumMod val="75000"/>
+                  </a:schemeClr>
+                </a:solidFill>
+              </a:rPr>
+              <a:t>Babu</a:t>
+            </a:r>
+            <a:r>
+              <a:rPr lang="en-IN" dirty="0">
+                <a:solidFill>
+                  <a:schemeClr val="accent1">
+                    <a:lumMod val="75000"/>
+                  </a:schemeClr>
+                </a:solidFill>
+              </a:rPr>
+              <a:t> </a:t>
+            </a:r>
+            <a:r>
+              <a:rPr lang="en-IN" dirty="0" err="1">
+                <a:solidFill>
+                  <a:schemeClr val="accent1">
+                    <a:lumMod val="75000"/>
+                  </a:schemeClr>
+                </a:solidFill>
+              </a:rPr>
+              <a:t>Tallamraju</a:t>
+            </a:r>
+            <a:endParaRPr lang="en-IN" dirty="0">
+              <a:solidFill>
+                <a:schemeClr val="accent1">
+                  <a:lumMod val="75000"/>
+                </a:schemeClr>
+              </a:solidFill>
+            </a:endParaRPr>
+          </a:p>
+          <a:p>
+            <a:pPr marL="457200" lvl="1" indent="0">
+              <a:buNone/>
+            </a:pPr>
+            <a:endParaRPr lang="en-US" dirty="0">
+              <a:solidFill>
+                <a:schemeClr val="accent1">
+                  <a:lumMod val="75000"/>
+                </a:schemeClr>
+              </a:solidFill>
+            </a:endParaRPr>
+          </a:p>
+          <a:p>
+            <a:endParaRPr lang="en-IN" dirty="0"/>
+          </a:p>
+          <a:p>
+            <a:endParaRPr lang="en-US" dirty="0" smtClean="0"/>
+          </a:p>
+        </p:txBody>
+      </p:sp>
+      <p:sp>
+        <p:nvSpPr>
+          <p:cNvPr id="4" name="Footer Placeholder 3"/>
+          <p:cNvSpPr>
+            <a:spLocks noGrp="1"/>
+          </p:cNvSpPr>
+          <p:nvPr>
+            <p:ph type="ftr" sz="quarter" idx="11"/>
+          </p:nvPr>
+        </p:nvSpPr>
+        <p:spPr/>
+        <p:txBody>
+          <a:bodyPr/>
+          <a:lstStyle/>
+          <a:p>
+            <a:r>
+              <a:rPr lang="en-US" smtClean="0"/>
+              <a:t>School of Computer Science and Engineering           19BCE1856</a:t>
+            </a:r>
+            <a:endParaRPr lang="en-IN"/>
+          </a:p>
+        </p:txBody>
+      </p:sp>
+    </p:spTree>
+    <p:extLst>
+      <p:ext uri="{BB962C8B-B14F-4D97-AF65-F5344CB8AC3E}">
+        <p14:creationId xmlns:p14="http://schemas.microsoft.com/office/powerpoint/2010/main" val="1598903296"/>
+      </p:ext>
+    </p:extLst>
+  </p:cSld>
+  <p:clrMapOvr>
+    <a:masterClrMapping/>
+  </p:clrMapOvr>
+</p:sld>
+</file>
+
+<file path=ppt/slides/slide21.xml><?xml version="1.0" encoding="utf-8"?>
+<p:sld xmlns:a="http://schemas.openxmlformats.org/drawingml/2006/main" xmlns:r="http://schemas.openxmlformats.org/officeDocument/2006/relationships" xmlns:p="http://schemas.openxmlformats.org/presentationml/2006/main">
+  <p:cSld>
+    <p:spTree>
+      <p:nvGrpSpPr>
+        <p:cNvPr id="1" name=""/>
+        <p:cNvGrpSpPr/>
+        <p:nvPr/>
+      </p:nvGrpSpPr>
+      <p:grpSpPr>
+        <a:xfrm>
+          <a:off x="0" y="0"/>
+          <a:ext cx="0" cy="0"/>
+          <a:chOff x="0" y="0"/>
+          <a:chExt cx="0" cy="0"/>
+        </a:xfrm>
+      </p:grpSpPr>
+      <p:sp>
+        <p:nvSpPr>
+          <p:cNvPr id="5" name="Title 4"/>
+          <p:cNvSpPr>
+            <a:spLocks noGrp="1"/>
+          </p:cNvSpPr>
+          <p:nvPr>
+            <p:ph type="ctrTitle"/>
+          </p:nvPr>
+        </p:nvSpPr>
+        <p:spPr/>
+        <p:txBody>
+          <a:bodyPr/>
+          <a:lstStyle/>
+          <a:p>
+            <a:r>
+              <a:rPr lang="en-IN" b="1" dirty="0" smtClean="0"/>
+              <a:t>Thank You </a:t>
+            </a:r>
+            <a:endParaRPr lang="en-IN" b="1" dirty="0"/>
+          </a:p>
+        </p:txBody>
+      </p:sp>
+      <p:sp>
+        <p:nvSpPr>
+          <p:cNvPr id="4" name="Footer Placeholder 3"/>
+          <p:cNvSpPr>
+            <a:spLocks noGrp="1"/>
+          </p:cNvSpPr>
+          <p:nvPr>
+            <p:ph type="ftr" sz="quarter" idx="11"/>
+          </p:nvPr>
+        </p:nvSpPr>
+        <p:spPr/>
+        <p:txBody>
+          <a:bodyPr/>
+          <a:lstStyle/>
+          <a:p>
+            <a:r>
+              <a:rPr lang="en-US" smtClean="0"/>
+              <a:t>School of Computer Science and Engineering           19BCE1856</a:t>
+            </a:r>
+            <a:endParaRPr lang="en-IN"/>
+          </a:p>
+        </p:txBody>
+      </p:sp>
+    </p:spTree>
+    <p:extLst>
+      <p:ext uri="{BB962C8B-B14F-4D97-AF65-F5344CB8AC3E}">
+        <p14:creationId xmlns:p14="http://schemas.microsoft.com/office/powerpoint/2010/main" val="1901294271"/>
       </p:ext>
     </p:extLst>
   </p:cSld>
@@ -6546,7 +7146,6 @@
               <a:rPr lang="en-US" dirty="0" smtClean="0"/>
               <a:t>My main research objective is to find an ANN solution for the given problem in an optimized manner because I tried to find the Research paper’s Future Work in many of them it was mentioned the Deep Learning approach with Hyperparameter tuning. So, this approach can further lead to an optimized approach in this field. </a:t>
             </a:r>
-            <a:endParaRPr lang="en-US" dirty="0" smtClean="0"/>
           </a:p>
           <a:p>
             <a:r>
@@ -6567,7 +7166,6 @@
               <a:rPr lang="en-US" dirty="0" smtClean="0"/>
               <a:t>I would also like to see if the ANN could lead to some remarkable or tremendous improvement in the field of Deep Learning.</a:t>
             </a:r>
-            <a:endParaRPr lang="en-US" dirty="0" smtClean="0"/>
           </a:p>
         </p:txBody>
       </p:sp>

--- a/Final Review.pptx
+++ b/Final Review.pptx
@@ -217,7 +217,7 @@
           <a:p>
             <a:fld id="{E84E1AF8-F372-464F-92BA-17CA5548F612}" type="datetimeFigureOut">
               <a:rPr lang="en-IN" smtClean="0"/>
-              <a:t>20-04-2023</a:t>
+              <a:t>23-04-2023</a:t>
             </a:fld>
             <a:endParaRPr lang="en-IN"/>
           </a:p>
@@ -860,7 +860,7 @@
           <a:p>
             <a:fld id="{AFE142F4-9AB4-4A31-B55E-1E1DA70090C5}" type="datetimeFigureOut">
               <a:rPr lang="en-IN" smtClean="0"/>
-              <a:t>20-04-2023</a:t>
+              <a:t>23-04-2023</a:t>
             </a:fld>
             <a:endParaRPr lang="en-IN"/>
           </a:p>
@@ -1030,7 +1030,7 @@
           <a:p>
             <a:fld id="{AFE142F4-9AB4-4A31-B55E-1E1DA70090C5}" type="datetimeFigureOut">
               <a:rPr lang="en-IN" smtClean="0"/>
-              <a:t>20-04-2023</a:t>
+              <a:t>23-04-2023</a:t>
             </a:fld>
             <a:endParaRPr lang="en-IN"/>
           </a:p>
@@ -1210,7 +1210,7 @@
           <a:p>
             <a:fld id="{AFE142F4-9AB4-4A31-B55E-1E1DA70090C5}" type="datetimeFigureOut">
               <a:rPr lang="en-IN" smtClean="0"/>
-              <a:t>20-04-2023</a:t>
+              <a:t>23-04-2023</a:t>
             </a:fld>
             <a:endParaRPr lang="en-IN"/>
           </a:p>
@@ -1380,7 +1380,7 @@
           <a:p>
             <a:fld id="{AFE142F4-9AB4-4A31-B55E-1E1DA70090C5}" type="datetimeFigureOut">
               <a:rPr lang="en-IN" smtClean="0"/>
-              <a:t>20-04-2023</a:t>
+              <a:t>23-04-2023</a:t>
             </a:fld>
             <a:endParaRPr lang="en-IN"/>
           </a:p>
@@ -1626,7 +1626,7 @@
           <a:p>
             <a:fld id="{AFE142F4-9AB4-4A31-B55E-1E1DA70090C5}" type="datetimeFigureOut">
               <a:rPr lang="en-IN" smtClean="0"/>
-              <a:t>20-04-2023</a:t>
+              <a:t>23-04-2023</a:t>
             </a:fld>
             <a:endParaRPr lang="en-IN"/>
           </a:p>
@@ -1858,7 +1858,7 @@
           <a:p>
             <a:fld id="{AFE142F4-9AB4-4A31-B55E-1E1DA70090C5}" type="datetimeFigureOut">
               <a:rPr lang="en-IN" smtClean="0"/>
-              <a:t>20-04-2023</a:t>
+              <a:t>23-04-2023</a:t>
             </a:fld>
             <a:endParaRPr lang="en-IN"/>
           </a:p>
@@ -2225,7 +2225,7 @@
           <a:p>
             <a:fld id="{AFE142F4-9AB4-4A31-B55E-1E1DA70090C5}" type="datetimeFigureOut">
               <a:rPr lang="en-IN" smtClean="0"/>
-              <a:t>20-04-2023</a:t>
+              <a:t>23-04-2023</a:t>
             </a:fld>
             <a:endParaRPr lang="en-IN"/>
           </a:p>
@@ -2343,7 +2343,7 @@
           <a:p>
             <a:fld id="{AFE142F4-9AB4-4A31-B55E-1E1DA70090C5}" type="datetimeFigureOut">
               <a:rPr lang="en-IN" smtClean="0"/>
-              <a:t>20-04-2023</a:t>
+              <a:t>23-04-2023</a:t>
             </a:fld>
             <a:endParaRPr lang="en-IN"/>
           </a:p>
@@ -2438,7 +2438,7 @@
           <a:p>
             <a:fld id="{AFE142F4-9AB4-4A31-B55E-1E1DA70090C5}" type="datetimeFigureOut">
               <a:rPr lang="en-IN" smtClean="0"/>
-              <a:t>20-04-2023</a:t>
+              <a:t>23-04-2023</a:t>
             </a:fld>
             <a:endParaRPr lang="en-IN"/>
           </a:p>
@@ -2715,7 +2715,7 @@
           <a:p>
             <a:fld id="{AFE142F4-9AB4-4A31-B55E-1E1DA70090C5}" type="datetimeFigureOut">
               <a:rPr lang="en-IN" smtClean="0"/>
-              <a:t>20-04-2023</a:t>
+              <a:t>23-04-2023</a:t>
             </a:fld>
             <a:endParaRPr lang="en-IN"/>
           </a:p>
@@ -2968,7 +2968,7 @@
           <a:p>
             <a:fld id="{AFE142F4-9AB4-4A31-B55E-1E1DA70090C5}" type="datetimeFigureOut">
               <a:rPr lang="en-IN" smtClean="0"/>
-              <a:t>20-04-2023</a:t>
+              <a:t>23-04-2023</a:t>
             </a:fld>
             <a:endParaRPr lang="en-IN"/>
           </a:p>
@@ -3181,7 +3181,7 @@
           <a:p>
             <a:fld id="{AFE142F4-9AB4-4A31-B55E-1E1DA70090C5}" type="datetimeFigureOut">
               <a:rPr lang="en-IN" smtClean="0"/>
-              <a:t>20-04-2023</a:t>
+              <a:t>23-04-2023</a:t>
             </a:fld>
             <a:endParaRPr lang="en-IN"/>
           </a:p>

--- a/Final Review.pptx
+++ b/Final Review.pptx
@@ -217,7 +217,7 @@
           <a:p>
             <a:fld id="{E84E1AF8-F372-464F-92BA-17CA5548F612}" type="datetimeFigureOut">
               <a:rPr lang="en-IN" smtClean="0"/>
-              <a:t>23-04-2023</a:t>
+              <a:t>26-04-2023</a:t>
             </a:fld>
             <a:endParaRPr lang="en-IN"/>
           </a:p>
@@ -860,7 +860,7 @@
           <a:p>
             <a:fld id="{AFE142F4-9AB4-4A31-B55E-1E1DA70090C5}" type="datetimeFigureOut">
               <a:rPr lang="en-IN" smtClean="0"/>
-              <a:t>23-04-2023</a:t>
+              <a:t>26-04-2023</a:t>
             </a:fld>
             <a:endParaRPr lang="en-IN"/>
           </a:p>
@@ -1030,7 +1030,7 @@
           <a:p>
             <a:fld id="{AFE142F4-9AB4-4A31-B55E-1E1DA70090C5}" type="datetimeFigureOut">
               <a:rPr lang="en-IN" smtClean="0"/>
-              <a:t>23-04-2023</a:t>
+              <a:t>26-04-2023</a:t>
             </a:fld>
             <a:endParaRPr lang="en-IN"/>
           </a:p>
@@ -1210,7 +1210,7 @@
           <a:p>
             <a:fld id="{AFE142F4-9AB4-4A31-B55E-1E1DA70090C5}" type="datetimeFigureOut">
               <a:rPr lang="en-IN" smtClean="0"/>
-              <a:t>23-04-2023</a:t>
+              <a:t>26-04-2023</a:t>
             </a:fld>
             <a:endParaRPr lang="en-IN"/>
           </a:p>
@@ -1380,7 +1380,7 @@
           <a:p>
             <a:fld id="{AFE142F4-9AB4-4A31-B55E-1E1DA70090C5}" type="datetimeFigureOut">
               <a:rPr lang="en-IN" smtClean="0"/>
-              <a:t>23-04-2023</a:t>
+              <a:t>26-04-2023</a:t>
             </a:fld>
             <a:endParaRPr lang="en-IN"/>
           </a:p>
@@ -1626,7 +1626,7 @@
           <a:p>
             <a:fld id="{AFE142F4-9AB4-4A31-B55E-1E1DA70090C5}" type="datetimeFigureOut">
               <a:rPr lang="en-IN" smtClean="0"/>
-              <a:t>23-04-2023</a:t>
+              <a:t>26-04-2023</a:t>
             </a:fld>
             <a:endParaRPr lang="en-IN"/>
           </a:p>
@@ -1858,7 +1858,7 @@
           <a:p>
             <a:fld id="{AFE142F4-9AB4-4A31-B55E-1E1DA70090C5}" type="datetimeFigureOut">
               <a:rPr lang="en-IN" smtClean="0"/>
-              <a:t>23-04-2023</a:t>
+              <a:t>26-04-2023</a:t>
             </a:fld>
             <a:endParaRPr lang="en-IN"/>
           </a:p>
@@ -2225,7 +2225,7 @@
           <a:p>
             <a:fld id="{AFE142F4-9AB4-4A31-B55E-1E1DA70090C5}" type="datetimeFigureOut">
               <a:rPr lang="en-IN" smtClean="0"/>
-              <a:t>23-04-2023</a:t>
+              <a:t>26-04-2023</a:t>
             </a:fld>
             <a:endParaRPr lang="en-IN"/>
           </a:p>
@@ -2343,7 +2343,7 @@
           <a:p>
             <a:fld id="{AFE142F4-9AB4-4A31-B55E-1E1DA70090C5}" type="datetimeFigureOut">
               <a:rPr lang="en-IN" smtClean="0"/>
-              <a:t>23-04-2023</a:t>
+              <a:t>26-04-2023</a:t>
             </a:fld>
             <a:endParaRPr lang="en-IN"/>
           </a:p>
@@ -2438,7 +2438,7 @@
           <a:p>
             <a:fld id="{AFE142F4-9AB4-4A31-B55E-1E1DA70090C5}" type="datetimeFigureOut">
               <a:rPr lang="en-IN" smtClean="0"/>
-              <a:t>23-04-2023</a:t>
+              <a:t>26-04-2023</a:t>
             </a:fld>
             <a:endParaRPr lang="en-IN"/>
           </a:p>
@@ -2715,7 +2715,7 @@
           <a:p>
             <a:fld id="{AFE142F4-9AB4-4A31-B55E-1E1DA70090C5}" type="datetimeFigureOut">
               <a:rPr lang="en-IN" smtClean="0"/>
-              <a:t>23-04-2023</a:t>
+              <a:t>26-04-2023</a:t>
             </a:fld>
             <a:endParaRPr lang="en-IN"/>
           </a:p>
@@ -2968,7 +2968,7 @@
           <a:p>
             <a:fld id="{AFE142F4-9AB4-4A31-B55E-1E1DA70090C5}" type="datetimeFigureOut">
               <a:rPr lang="en-IN" smtClean="0"/>
-              <a:t>23-04-2023</a:t>
+              <a:t>26-04-2023</a:t>
             </a:fld>
             <a:endParaRPr lang="en-IN"/>
           </a:p>
@@ -3181,7 +3181,7 @@
           <a:p>
             <a:fld id="{AFE142F4-9AB4-4A31-B55E-1E1DA70090C5}" type="datetimeFigureOut">
               <a:rPr lang="en-IN" smtClean="0"/>
-              <a:t>23-04-2023</a:t>
+              <a:t>26-04-2023</a:t>
             </a:fld>
             <a:endParaRPr lang="en-IN"/>
           </a:p>
@@ -4647,6 +4647,36 @@
           </a:p>
         </p:txBody>
       </p:sp>
+      <p:pic>
+        <p:nvPicPr>
+          <p:cNvPr id="3" name="Picture 2"/>
+          <p:cNvPicPr>
+            <a:picLocks noChangeAspect="1"/>
+          </p:cNvPicPr>
+          <p:nvPr/>
+        </p:nvPicPr>
+        <p:blipFill>
+          <a:blip r:embed="rId2">
+            <a:extLst>
+              <a:ext uri="{28A0092B-C50C-407E-A947-70E740481C1C}">
+                <a14:useLocalDpi xmlns:a14="http://schemas.microsoft.com/office/drawing/2010/main" val="0"/>
+              </a:ext>
+            </a:extLst>
+          </a:blip>
+          <a:stretch>
+            <a:fillRect/>
+          </a:stretch>
+        </p:blipFill>
+        <p:spPr>
+          <a:xfrm>
+            <a:off x="838200" y="1536027"/>
+            <a:ext cx="9726382" cy="4820323"/>
+          </a:xfrm>
+          <a:prstGeom prst="rect">
+            <a:avLst/>
+          </a:prstGeom>
+        </p:spPr>
+      </p:pic>
     </p:spTree>
     <p:extLst>
       <p:ext uri="{BB962C8B-B14F-4D97-AF65-F5344CB8AC3E}">
